--- a/IMAGE CLASSIFICATION OF X-RAY IMAGES FOR PNEUMONIA DETECTION.pptx
+++ b/IMAGE CLASSIFICATION OF X-RAY IMAGES FOR PNEUMONIA DETECTION.pptx
@@ -12,18 +12,17 @@
     <p:sldId id="259" r:id="rId6"/>
     <p:sldId id="260" r:id="rId7"/>
     <p:sldId id="261" r:id="rId8"/>
-    <p:sldId id="262" r:id="rId9"/>
-    <p:sldId id="263" r:id="rId10"/>
-    <p:sldId id="267" r:id="rId11"/>
-    <p:sldId id="268" r:id="rId12"/>
-    <p:sldId id="269" r:id="rId13"/>
-    <p:sldId id="270" r:id="rId14"/>
-    <p:sldId id="271" r:id="rId15"/>
-    <p:sldId id="272" r:id="rId16"/>
-    <p:sldId id="264" r:id="rId17"/>
-    <p:sldId id="273" r:id="rId18"/>
-    <p:sldId id="265" r:id="rId19"/>
-    <p:sldId id="266" r:id="rId20"/>
+    <p:sldId id="263" r:id="rId9"/>
+    <p:sldId id="267" r:id="rId10"/>
+    <p:sldId id="268" r:id="rId11"/>
+    <p:sldId id="269" r:id="rId12"/>
+    <p:sldId id="270" r:id="rId13"/>
+    <p:sldId id="271" r:id="rId14"/>
+    <p:sldId id="272" r:id="rId15"/>
+    <p:sldId id="264" r:id="rId16"/>
+    <p:sldId id="273" r:id="rId17"/>
+    <p:sldId id="265" r:id="rId18"/>
+    <p:sldId id="266" r:id="rId19"/>
   </p:sldIdLst>
   <p:sldSz cx="12192000" cy="6858000"/>
   <p:notesSz cx="6858000" cy="9144000"/>
@@ -899,16 +898,15 @@
         <a:lstStyle/>
         <a:p>
           <a:r>
-            <a:rPr lang="en-US" dirty="0" smtClean="0"/>
+            <a:rPr lang="en-US" dirty="0"/>
             <a:t>Lisa Mwikali</a:t>
           </a:r>
         </a:p>
         <a:p>
           <a:r>
-            <a:rPr lang="en-US" dirty="0" smtClean="0"/>
+            <a:rPr lang="en-US" dirty="0"/>
             <a:t>Nicole Bosibori</a:t>
           </a:r>
-          <a:endParaRPr lang="en-US" dirty="0"/>
         </a:p>
       </dgm:t>
     </dgm:pt>
@@ -942,16 +940,15 @@
         <a:lstStyle/>
         <a:p>
           <a:r>
-            <a:rPr lang="en-US" dirty="0" smtClean="0"/>
+            <a:rPr lang="en-US" dirty="0"/>
             <a:t>Ivan Wawire</a:t>
           </a:r>
         </a:p>
         <a:p>
           <a:r>
-            <a:rPr lang="en-US" dirty="0" smtClean="0"/>
+            <a:rPr lang="en-US" dirty="0"/>
             <a:t>Anne Njoroge</a:t>
           </a:r>
-          <a:endParaRPr lang="en-US" dirty="0"/>
         </a:p>
       </dgm:t>
     </dgm:pt>
@@ -985,16 +982,15 @@
         <a:lstStyle/>
         <a:p>
           <a:r>
-            <a:rPr lang="en-US" dirty="0" smtClean="0"/>
+            <a:rPr lang="en-US" dirty="0"/>
             <a:t>Maureen Muriithi</a:t>
           </a:r>
         </a:p>
         <a:p>
           <a:r>
-            <a:rPr lang="en-US" dirty="0" smtClean="0"/>
+            <a:rPr lang="en-US" dirty="0"/>
             <a:t>Charles Egambi</a:t>
           </a:r>
-          <a:endParaRPr lang="en-US" dirty="0"/>
         </a:p>
       </dgm:t>
     </dgm:pt>
@@ -1048,13 +1044,6 @@
         </dgm:presLayoutVars>
       </dgm:prSet>
       <dgm:spPr/>
-      <dgm:t>
-        <a:bodyPr/>
-        <a:lstStyle/>
-        <a:p>
-          <a:endParaRPr lang="en-US"/>
-        </a:p>
-      </dgm:t>
     </dgm:pt>
     <dgm:pt modelId="{63AB3669-A12C-4DA1-962F-BFB798424225}" type="pres">
       <dgm:prSet presAssocID="{8344BEC4-C1B4-414E-9511-42379CF1F6D1}" presName="sibTrans" presStyleCnt="0"/>
@@ -1067,21 +1056,14 @@
         </dgm:presLayoutVars>
       </dgm:prSet>
       <dgm:spPr/>
-      <dgm:t>
-        <a:bodyPr/>
-        <a:lstStyle/>
-        <a:p>
-          <a:endParaRPr lang="en-US"/>
-        </a:p>
-      </dgm:t>
     </dgm:pt>
   </dgm:ptLst>
   <dgm:cxnLst>
+    <dgm:cxn modelId="{048B9205-81F3-4352-ADAB-235218102AF9}" type="presOf" srcId="{4CDF9A6F-D8A3-47CA-9FF0-B5D8183ED353}" destId="{ED6AC645-4140-4B50-B2B0-58F063BE59AE}" srcOrd="0" destOrd="0" presId="urn:microsoft.com/office/officeart/2005/8/layout/default"/>
+    <dgm:cxn modelId="{A725435B-AB75-45DB-B421-C68A8E8BCB1F}" srcId="{4CDF9A6F-D8A3-47CA-9FF0-B5D8183ED353}" destId="{54E66805-61AC-44C0-B280-4C2FD19890F5}" srcOrd="0" destOrd="0" parTransId="{5F8E19A9-34E2-451F-B2B8-4843E2F2AFB4}" sibTransId="{0E422DC3-D7E2-417E-9FD1-7B99A34B6CFD}"/>
+    <dgm:cxn modelId="{E3282A46-067E-43FA-9024-1ADE4014E81D}" srcId="{4CDF9A6F-D8A3-47CA-9FF0-B5D8183ED353}" destId="{167DD0CC-BB6E-423C-8FAE-5B77992F46D0}" srcOrd="1" destOrd="0" parTransId="{B35323D7-59BF-4DA4-A8F7-2FF7DF3C761C}" sibTransId="{8344BEC4-C1B4-414E-9511-42379CF1F6D1}"/>
+    <dgm:cxn modelId="{58801567-28EA-4824-83FD-A756CB6C2619}" type="presOf" srcId="{6C8B00A9-FB02-4104-8FDF-B623BF61BE84}" destId="{28A26AEA-099F-47C3-BA26-126D4CF1B80C}" srcOrd="0" destOrd="0" presId="urn:microsoft.com/office/officeart/2005/8/layout/default"/>
     <dgm:cxn modelId="{380B507F-76A7-40F7-9E74-EE78F07CFE3A}" srcId="{4CDF9A6F-D8A3-47CA-9FF0-B5D8183ED353}" destId="{6C8B00A9-FB02-4104-8FDF-B623BF61BE84}" srcOrd="2" destOrd="0" parTransId="{E917312B-3985-40D9-A068-8C7DE95750E4}" sibTransId="{5591B20B-DB1F-447A-92F4-EF9850AB41F2}"/>
-    <dgm:cxn modelId="{A725435B-AB75-45DB-B421-C68A8E8BCB1F}" srcId="{4CDF9A6F-D8A3-47CA-9FF0-B5D8183ED353}" destId="{54E66805-61AC-44C0-B280-4C2FD19890F5}" srcOrd="0" destOrd="0" parTransId="{5F8E19A9-34E2-451F-B2B8-4843E2F2AFB4}" sibTransId="{0E422DC3-D7E2-417E-9FD1-7B99A34B6CFD}"/>
-    <dgm:cxn modelId="{048B9205-81F3-4352-ADAB-235218102AF9}" type="presOf" srcId="{4CDF9A6F-D8A3-47CA-9FF0-B5D8183ED353}" destId="{ED6AC645-4140-4B50-B2B0-58F063BE59AE}" srcOrd="0" destOrd="0" presId="urn:microsoft.com/office/officeart/2005/8/layout/default"/>
-    <dgm:cxn modelId="{58801567-28EA-4824-83FD-A756CB6C2619}" type="presOf" srcId="{6C8B00A9-FB02-4104-8FDF-B623BF61BE84}" destId="{28A26AEA-099F-47C3-BA26-126D4CF1B80C}" srcOrd="0" destOrd="0" presId="urn:microsoft.com/office/officeart/2005/8/layout/default"/>
-    <dgm:cxn modelId="{E3282A46-067E-43FA-9024-1ADE4014E81D}" srcId="{4CDF9A6F-D8A3-47CA-9FF0-B5D8183ED353}" destId="{167DD0CC-BB6E-423C-8FAE-5B77992F46D0}" srcOrd="1" destOrd="0" parTransId="{B35323D7-59BF-4DA4-A8F7-2FF7DF3C761C}" sibTransId="{8344BEC4-C1B4-414E-9511-42379CF1F6D1}"/>
     <dgm:cxn modelId="{F80011C1-3E6E-4EE9-B905-FC98B44C56BA}" type="presOf" srcId="{54E66805-61AC-44C0-B280-4C2FD19890F5}" destId="{D726A96B-B68E-4DF2-B863-EF6610B215A6}" srcOrd="0" destOrd="0" presId="urn:microsoft.com/office/officeart/2005/8/layout/default"/>
     <dgm:cxn modelId="{CAC2F5FA-C886-48A2-87D1-FA7661ADF578}" type="presOf" srcId="{167DD0CC-BB6E-423C-8FAE-5B77992F46D0}" destId="{34B36197-35D3-48CC-B814-C3E89FEC541F}" srcOrd="0" destOrd="0" presId="urn:microsoft.com/office/officeart/2005/8/layout/default"/>
     <dgm:cxn modelId="{64B3B539-5B68-4439-9D41-1BF5BE20CBF5}" type="presParOf" srcId="{ED6AC645-4140-4B50-B2B0-58F063BE59AE}" destId="{D726A96B-B68E-4DF2-B863-EF6610B215A6}" srcOrd="0" destOrd="0" presId="urn:microsoft.com/office/officeart/2005/8/layout/default"/>
@@ -1162,7 +1144,7 @@
         </a:bodyPr>
         <a:lstStyle/>
         <a:p>
-          <a:pPr lvl="0" algn="ctr" defTabSz="1289050">
+          <a:pPr marL="0" lvl="0" indent="0" algn="ctr" defTabSz="1289050">
             <a:lnSpc>
               <a:spcPct val="90000"/>
             </a:lnSpc>
@@ -1172,14 +1154,15 @@
             <a:spcAft>
               <a:spcPct val="35000"/>
             </a:spcAft>
+            <a:buNone/>
           </a:pPr>
           <a:r>
-            <a:rPr lang="en-US" sz="2900" kern="1200" dirty="0" smtClean="0"/>
+            <a:rPr lang="en-US" sz="2900" kern="1200" dirty="0"/>
             <a:t>Lisa Mwikali</a:t>
           </a:r>
         </a:p>
         <a:p>
-          <a:pPr lvl="0" algn="ctr" defTabSz="1289050">
+          <a:pPr marL="0" lvl="0" indent="0" algn="ctr" defTabSz="1289050">
             <a:lnSpc>
               <a:spcPct val="90000"/>
             </a:lnSpc>
@@ -1189,12 +1172,12 @@
             <a:spcAft>
               <a:spcPct val="35000"/>
             </a:spcAft>
+            <a:buNone/>
           </a:pPr>
           <a:r>
-            <a:rPr lang="en-US" sz="2900" kern="1200" dirty="0" smtClean="0"/>
+            <a:rPr lang="en-US" sz="2900" kern="1200" dirty="0"/>
             <a:t>Nicole Bosibori</a:t>
           </a:r>
-          <a:endParaRPr lang="en-US" sz="2900" kern="1200" dirty="0"/>
         </a:p>
       </dsp:txBody>
       <dsp:txXfrm>
@@ -1256,7 +1239,7 @@
         </a:bodyPr>
         <a:lstStyle/>
         <a:p>
-          <a:pPr lvl="0" algn="ctr" defTabSz="1289050">
+          <a:pPr marL="0" lvl="0" indent="0" algn="ctr" defTabSz="1289050">
             <a:lnSpc>
               <a:spcPct val="90000"/>
             </a:lnSpc>
@@ -1266,14 +1249,15 @@
             <a:spcAft>
               <a:spcPct val="35000"/>
             </a:spcAft>
+            <a:buNone/>
           </a:pPr>
           <a:r>
-            <a:rPr lang="en-US" sz="2900" kern="1200" dirty="0" smtClean="0"/>
+            <a:rPr lang="en-US" sz="2900" kern="1200" dirty="0"/>
             <a:t>Ivan Wawire</a:t>
           </a:r>
         </a:p>
         <a:p>
-          <a:pPr lvl="0" algn="ctr" defTabSz="1289050">
+          <a:pPr marL="0" lvl="0" indent="0" algn="ctr" defTabSz="1289050">
             <a:lnSpc>
               <a:spcPct val="90000"/>
             </a:lnSpc>
@@ -1283,12 +1267,12 @@
             <a:spcAft>
               <a:spcPct val="35000"/>
             </a:spcAft>
+            <a:buNone/>
           </a:pPr>
           <a:r>
-            <a:rPr lang="en-US" sz="2900" kern="1200" dirty="0" smtClean="0"/>
+            <a:rPr lang="en-US" sz="2900" kern="1200" dirty="0"/>
             <a:t>Anne Njoroge</a:t>
           </a:r>
-          <a:endParaRPr lang="en-US" sz="2900" kern="1200" dirty="0"/>
         </a:p>
       </dsp:txBody>
       <dsp:txXfrm>
@@ -1350,7 +1334,7 @@
         </a:bodyPr>
         <a:lstStyle/>
         <a:p>
-          <a:pPr lvl="0" algn="ctr" defTabSz="1289050">
+          <a:pPr marL="0" lvl="0" indent="0" algn="ctr" defTabSz="1289050">
             <a:lnSpc>
               <a:spcPct val="90000"/>
             </a:lnSpc>
@@ -1360,14 +1344,15 @@
             <a:spcAft>
               <a:spcPct val="35000"/>
             </a:spcAft>
+            <a:buNone/>
           </a:pPr>
           <a:r>
-            <a:rPr lang="en-US" sz="2900" kern="1200" dirty="0" smtClean="0"/>
+            <a:rPr lang="en-US" sz="2900" kern="1200" dirty="0"/>
             <a:t>Maureen Muriithi</a:t>
           </a:r>
         </a:p>
         <a:p>
-          <a:pPr lvl="0" algn="ctr" defTabSz="1289050">
+          <a:pPr marL="0" lvl="0" indent="0" algn="ctr" defTabSz="1289050">
             <a:lnSpc>
               <a:spcPct val="90000"/>
             </a:lnSpc>
@@ -1377,12 +1362,12 @@
             <a:spcAft>
               <a:spcPct val="35000"/>
             </a:spcAft>
+            <a:buNone/>
           </a:pPr>
           <a:r>
-            <a:rPr lang="en-US" sz="2900" kern="1200" dirty="0" smtClean="0"/>
+            <a:rPr lang="en-US" sz="2900" kern="1200" dirty="0"/>
             <a:t>Charles Egambi</a:t>
           </a:r>
-          <a:endParaRPr lang="en-US" sz="2900" kern="1200" dirty="0"/>
         </a:p>
       </dsp:txBody>
       <dsp:txXfrm>
@@ -2661,7 +2646,7 @@
           </a:lstStyle>
           <a:p>
             <a:r>
-              <a:rPr lang="en-US" smtClean="0"/>
+              <a:rPr lang="en-US"/>
               <a:t>Click to edit Master title style</a:t>
             </a:r>
             <a:endParaRPr lang="en-US" dirty="0"/>
@@ -2780,7 +2765,7 @@
           </a:lstStyle>
           <a:p>
             <a:r>
-              <a:rPr lang="en-US" smtClean="0"/>
+              <a:rPr lang="en-US"/>
               <a:t>Click to edit Master subtitle style</a:t>
             </a:r>
             <a:endParaRPr lang="en-US" dirty="0"/>
@@ -2821,7 +2806,7 @@
             <a:fld id="{B61BEF0D-F0BB-DE4B-95CE-6DB70DBA9567}" type="datetimeFigureOut">
               <a:rPr lang="en-US" dirty="0"/>
               <a:pPr/>
-              <a:t>6/30/2024</a:t>
+              <a:t>7/1/2024</a:t>
             </a:fld>
             <a:endParaRPr lang="en-US" dirty="0"/>
           </a:p>
@@ -2987,7 +2972,7 @@
           <a:lstStyle/>
           <a:p>
             <a:r>
-              <a:rPr lang="en-US" smtClean="0"/>
+              <a:rPr lang="en-US"/>
               <a:t>Click to edit Master title style</a:t>
             </a:r>
             <a:endParaRPr lang="en-US" dirty="0"/>
@@ -3027,35 +3012,35 @@
           <a:p>
             <a:pPr lvl="0"/>
             <a:r>
-              <a:rPr lang="en-US" smtClean="0"/>
+              <a:rPr lang="en-US"/>
               <a:t>Edit Master text styles</a:t>
             </a:r>
           </a:p>
           <a:p>
             <a:pPr lvl="1"/>
             <a:r>
-              <a:rPr lang="en-US" smtClean="0"/>
+              <a:rPr lang="en-US"/>
               <a:t>Second level</a:t>
             </a:r>
           </a:p>
           <a:p>
             <a:pPr lvl="2"/>
             <a:r>
-              <a:rPr lang="en-US" smtClean="0"/>
+              <a:rPr lang="en-US"/>
               <a:t>Third level</a:t>
             </a:r>
           </a:p>
           <a:p>
             <a:pPr lvl="3"/>
             <a:r>
-              <a:rPr lang="en-US" smtClean="0"/>
+              <a:rPr lang="en-US"/>
               <a:t>Fourth level</a:t>
             </a:r>
           </a:p>
           <a:p>
             <a:pPr lvl="4"/>
             <a:r>
-              <a:rPr lang="en-US" smtClean="0"/>
+              <a:rPr lang="en-US"/>
               <a:t>Fifth level</a:t>
             </a:r>
             <a:endParaRPr lang="en-US" dirty="0"/>
@@ -3080,7 +3065,7 @@
             <a:fld id="{B61BEF0D-F0BB-DE4B-95CE-6DB70DBA9567}" type="datetimeFigureOut">
               <a:rPr lang="en-US" dirty="0"/>
               <a:pPr/>
-              <a:t>6/30/2024</a:t>
+              <a:t>7/1/2024</a:t>
             </a:fld>
             <a:endParaRPr lang="en-US" dirty="0"/>
           </a:p>
@@ -3214,7 +3199,7 @@
           <a:lstStyle/>
           <a:p>
             <a:r>
-              <a:rPr lang="en-US" smtClean="0"/>
+              <a:rPr lang="en-US"/>
               <a:t>Click to edit Master title style</a:t>
             </a:r>
             <a:endParaRPr lang="en-US" dirty="0"/>
@@ -3243,35 +3228,35 @@
           <a:p>
             <a:pPr lvl="0"/>
             <a:r>
-              <a:rPr lang="en-US" smtClean="0"/>
+              <a:rPr lang="en-US"/>
               <a:t>Edit Master text styles</a:t>
             </a:r>
           </a:p>
           <a:p>
             <a:pPr lvl="1"/>
             <a:r>
-              <a:rPr lang="en-US" smtClean="0"/>
+              <a:rPr lang="en-US"/>
               <a:t>Second level</a:t>
             </a:r>
           </a:p>
           <a:p>
             <a:pPr lvl="2"/>
             <a:r>
-              <a:rPr lang="en-US" smtClean="0"/>
+              <a:rPr lang="en-US"/>
               <a:t>Third level</a:t>
             </a:r>
           </a:p>
           <a:p>
             <a:pPr lvl="3"/>
             <a:r>
-              <a:rPr lang="en-US" smtClean="0"/>
+              <a:rPr lang="en-US"/>
               <a:t>Fourth level</a:t>
             </a:r>
           </a:p>
           <a:p>
             <a:pPr lvl="4"/>
             <a:r>
-              <a:rPr lang="en-US" smtClean="0"/>
+              <a:rPr lang="en-US"/>
               <a:t>Fifth level</a:t>
             </a:r>
             <a:endParaRPr lang="en-US" dirty="0"/>
@@ -3312,7 +3297,7 @@
             <a:fld id="{B61BEF0D-F0BB-DE4B-95CE-6DB70DBA9567}" type="datetimeFigureOut">
               <a:rPr lang="en-US" dirty="0"/>
               <a:pPr/>
-              <a:t>6/30/2024</a:t>
+              <a:t>7/1/2024</a:t>
             </a:fld>
             <a:endParaRPr lang="en-US" dirty="0"/>
           </a:p>
@@ -3467,7 +3452,7 @@
           <a:lstStyle/>
           <a:p>
             <a:r>
-              <a:rPr lang="en-US" smtClean="0"/>
+              <a:rPr lang="en-US"/>
               <a:t>Click to edit Master title style</a:t>
             </a:r>
             <a:endParaRPr lang="en-US" dirty="0"/>
@@ -3496,35 +3481,35 @@
           <a:p>
             <a:pPr lvl="0"/>
             <a:r>
-              <a:rPr lang="en-US" smtClean="0"/>
+              <a:rPr lang="en-US"/>
               <a:t>Edit Master text styles</a:t>
             </a:r>
           </a:p>
           <a:p>
             <a:pPr lvl="1"/>
             <a:r>
-              <a:rPr lang="en-US" smtClean="0"/>
+              <a:rPr lang="en-US"/>
               <a:t>Second level</a:t>
             </a:r>
           </a:p>
           <a:p>
             <a:pPr lvl="2"/>
             <a:r>
-              <a:rPr lang="en-US" smtClean="0"/>
+              <a:rPr lang="en-US"/>
               <a:t>Third level</a:t>
             </a:r>
           </a:p>
           <a:p>
             <a:pPr lvl="3"/>
             <a:r>
-              <a:rPr lang="en-US" smtClean="0"/>
+              <a:rPr lang="en-US"/>
               <a:t>Fourth level</a:t>
             </a:r>
           </a:p>
           <a:p>
             <a:pPr lvl="4"/>
             <a:r>
-              <a:rPr lang="en-US" smtClean="0"/>
+              <a:rPr lang="en-US"/>
               <a:t>Fifth level</a:t>
             </a:r>
             <a:endParaRPr lang="en-US" dirty="0"/>
@@ -3549,7 +3534,7 @@
             <a:fld id="{B61BEF0D-F0BB-DE4B-95CE-6DB70DBA9567}" type="datetimeFigureOut">
               <a:rPr lang="en-US" dirty="0"/>
               <a:pPr/>
-              <a:t>6/30/2024</a:t>
+              <a:t>7/1/2024</a:t>
             </a:fld>
             <a:endParaRPr lang="en-US" dirty="0"/>
           </a:p>
@@ -3698,7 +3683,7 @@
           </a:lstStyle>
           <a:p>
             <a:r>
-              <a:rPr lang="en-US" smtClean="0"/>
+              <a:rPr lang="en-US"/>
               <a:t>Click to edit Master title style</a:t>
             </a:r>
             <a:endParaRPr lang="en-US" dirty="0"/>
@@ -3818,7 +3803,7 @@
           <a:p>
             <a:pPr lvl="0"/>
             <a:r>
-              <a:rPr lang="en-US" smtClean="0"/>
+              <a:rPr lang="en-US"/>
               <a:t>Edit Master text styles</a:t>
             </a:r>
           </a:p>
@@ -3853,7 +3838,7 @@
             <a:fld id="{B61BEF0D-F0BB-DE4B-95CE-6DB70DBA9567}" type="datetimeFigureOut">
               <a:rPr lang="en-US" dirty="0"/>
               <a:pPr/>
-              <a:t>6/30/2024</a:t>
+              <a:t>7/1/2024</a:t>
             </a:fld>
             <a:endParaRPr lang="en-US" dirty="0"/>
           </a:p>
@@ -4009,7 +3994,7 @@
           <a:lstStyle/>
           <a:p>
             <a:r>
-              <a:rPr lang="en-US" smtClean="0"/>
+              <a:rPr lang="en-US"/>
               <a:t>Click to edit Master title style</a:t>
             </a:r>
             <a:endParaRPr lang="en-US" dirty="0"/>
@@ -4040,35 +4025,35 @@
           <a:p>
             <a:pPr lvl="0"/>
             <a:r>
-              <a:rPr lang="en-US" smtClean="0"/>
+              <a:rPr lang="en-US"/>
               <a:t>Edit Master text styles</a:t>
             </a:r>
           </a:p>
           <a:p>
             <a:pPr lvl="1"/>
             <a:r>
-              <a:rPr lang="en-US" smtClean="0"/>
+              <a:rPr lang="en-US"/>
               <a:t>Second level</a:t>
             </a:r>
           </a:p>
           <a:p>
             <a:pPr lvl="2"/>
             <a:r>
-              <a:rPr lang="en-US" smtClean="0"/>
+              <a:rPr lang="en-US"/>
               <a:t>Third level</a:t>
             </a:r>
           </a:p>
           <a:p>
             <a:pPr lvl="3"/>
             <a:r>
-              <a:rPr lang="en-US" smtClean="0"/>
+              <a:rPr lang="en-US"/>
               <a:t>Fourth level</a:t>
             </a:r>
           </a:p>
           <a:p>
             <a:pPr lvl="4"/>
             <a:r>
-              <a:rPr lang="en-US" smtClean="0"/>
+              <a:rPr lang="en-US"/>
               <a:t>Fifth level</a:t>
             </a:r>
             <a:endParaRPr lang="en-US" dirty="0"/>
@@ -4099,35 +4084,35 @@
           <a:p>
             <a:pPr lvl="0"/>
             <a:r>
-              <a:rPr lang="en-US" smtClean="0"/>
+              <a:rPr lang="en-US"/>
               <a:t>Edit Master text styles</a:t>
             </a:r>
           </a:p>
           <a:p>
             <a:pPr lvl="1"/>
             <a:r>
-              <a:rPr lang="en-US" smtClean="0"/>
+              <a:rPr lang="en-US"/>
               <a:t>Second level</a:t>
             </a:r>
           </a:p>
           <a:p>
             <a:pPr lvl="2"/>
             <a:r>
-              <a:rPr lang="en-US" smtClean="0"/>
+              <a:rPr lang="en-US"/>
               <a:t>Third level</a:t>
             </a:r>
           </a:p>
           <a:p>
             <a:pPr lvl="3"/>
             <a:r>
-              <a:rPr lang="en-US" smtClean="0"/>
+              <a:rPr lang="en-US"/>
               <a:t>Fourth level</a:t>
             </a:r>
           </a:p>
           <a:p>
             <a:pPr lvl="4"/>
             <a:r>
-              <a:rPr lang="en-US" smtClean="0"/>
+              <a:rPr lang="en-US"/>
               <a:t>Fifth level</a:t>
             </a:r>
             <a:endParaRPr lang="en-US" dirty="0"/>
@@ -4152,7 +4137,7 @@
             <a:fld id="{B61BEF0D-F0BB-DE4B-95CE-6DB70DBA9567}" type="datetimeFigureOut">
               <a:rPr lang="en-US" dirty="0"/>
               <a:pPr/>
-              <a:t>6/30/2024</a:t>
+              <a:t>7/1/2024</a:t>
             </a:fld>
             <a:endParaRPr lang="en-US" dirty="0"/>
           </a:p>
@@ -4286,7 +4271,7 @@
           <a:lstStyle/>
           <a:p>
             <a:r>
-              <a:rPr lang="en-US" smtClean="0"/>
+              <a:rPr lang="en-US"/>
               <a:t>Click to edit Master title style</a:t>
             </a:r>
             <a:endParaRPr lang="en-US" dirty="0"/>
@@ -4358,7 +4343,7 @@
           <a:p>
             <a:pPr lvl="0"/>
             <a:r>
-              <a:rPr lang="en-US" smtClean="0"/>
+              <a:rPr lang="en-US"/>
               <a:t>Edit Master text styles</a:t>
             </a:r>
           </a:p>
@@ -4388,35 +4373,35 @@
           <a:p>
             <a:pPr lvl="0"/>
             <a:r>
-              <a:rPr lang="en-US" smtClean="0"/>
+              <a:rPr lang="en-US"/>
               <a:t>Edit Master text styles</a:t>
             </a:r>
           </a:p>
           <a:p>
             <a:pPr lvl="1"/>
             <a:r>
-              <a:rPr lang="en-US" smtClean="0"/>
+              <a:rPr lang="en-US"/>
               <a:t>Second level</a:t>
             </a:r>
           </a:p>
           <a:p>
             <a:pPr lvl="2"/>
             <a:r>
-              <a:rPr lang="en-US" smtClean="0"/>
+              <a:rPr lang="en-US"/>
               <a:t>Third level</a:t>
             </a:r>
           </a:p>
           <a:p>
             <a:pPr lvl="3"/>
             <a:r>
-              <a:rPr lang="en-US" smtClean="0"/>
+              <a:rPr lang="en-US"/>
               <a:t>Fourth level</a:t>
             </a:r>
           </a:p>
           <a:p>
             <a:pPr lvl="4"/>
             <a:r>
-              <a:rPr lang="en-US" smtClean="0"/>
+              <a:rPr lang="en-US"/>
               <a:t>Fifth level</a:t>
             </a:r>
             <a:endParaRPr lang="en-US" dirty="0"/>
@@ -4488,7 +4473,7 @@
           <a:p>
             <a:pPr lvl="0"/>
             <a:r>
-              <a:rPr lang="en-US" smtClean="0"/>
+              <a:rPr lang="en-US"/>
               <a:t>Edit Master text styles</a:t>
             </a:r>
           </a:p>
@@ -4518,35 +4503,35 @@
           <a:p>
             <a:pPr lvl="0"/>
             <a:r>
-              <a:rPr lang="en-US" smtClean="0"/>
+              <a:rPr lang="en-US"/>
               <a:t>Edit Master text styles</a:t>
             </a:r>
           </a:p>
           <a:p>
             <a:pPr lvl="1"/>
             <a:r>
-              <a:rPr lang="en-US" smtClean="0"/>
+              <a:rPr lang="en-US"/>
               <a:t>Second level</a:t>
             </a:r>
           </a:p>
           <a:p>
             <a:pPr lvl="2"/>
             <a:r>
-              <a:rPr lang="en-US" smtClean="0"/>
+              <a:rPr lang="en-US"/>
               <a:t>Third level</a:t>
             </a:r>
           </a:p>
           <a:p>
             <a:pPr lvl="3"/>
             <a:r>
-              <a:rPr lang="en-US" smtClean="0"/>
+              <a:rPr lang="en-US"/>
               <a:t>Fourth level</a:t>
             </a:r>
           </a:p>
           <a:p>
             <a:pPr lvl="4"/>
             <a:r>
-              <a:rPr lang="en-US" smtClean="0"/>
+              <a:rPr lang="en-US"/>
               <a:t>Fifth level</a:t>
             </a:r>
             <a:endParaRPr lang="en-US" dirty="0"/>
@@ -4571,7 +4556,7 @@
             <a:fld id="{B61BEF0D-F0BB-DE4B-95CE-6DB70DBA9567}" type="datetimeFigureOut">
               <a:rPr lang="en-US" dirty="0"/>
               <a:pPr/>
-              <a:t>6/30/2024</a:t>
+              <a:t>7/1/2024</a:t>
             </a:fld>
             <a:endParaRPr lang="en-US" dirty="0"/>
           </a:p>
@@ -4705,7 +4690,7 @@
           <a:lstStyle/>
           <a:p>
             <a:r>
-              <a:rPr lang="en-US" smtClean="0"/>
+              <a:rPr lang="en-US"/>
               <a:t>Click to edit Master title style</a:t>
             </a:r>
             <a:endParaRPr lang="en-US" dirty="0"/>
@@ -4730,7 +4715,7 @@
             <a:fld id="{B61BEF0D-F0BB-DE4B-95CE-6DB70DBA9567}" type="datetimeFigureOut">
               <a:rPr lang="en-US" dirty="0"/>
               <a:pPr/>
-              <a:t>6/30/2024</a:t>
+              <a:t>7/1/2024</a:t>
             </a:fld>
             <a:endParaRPr lang="en-US" dirty="0"/>
           </a:p>
@@ -4822,7 +4807,7 @@
             <a:fld id="{B61BEF0D-F0BB-DE4B-95CE-6DB70DBA9567}" type="datetimeFigureOut">
               <a:rPr lang="en-US" dirty="0"/>
               <a:pPr/>
-              <a:t>6/30/2024</a:t>
+              <a:t>7/1/2024</a:t>
             </a:fld>
             <a:endParaRPr lang="en-US" dirty="0"/>
           </a:p>
@@ -4967,7 +4952,7 @@
           </a:lstStyle>
           <a:p>
             <a:r>
-              <a:rPr lang="en-US" smtClean="0"/>
+              <a:rPr lang="en-US"/>
               <a:t>Click to edit Master title style</a:t>
             </a:r>
             <a:endParaRPr lang="en-US" dirty="0"/>
@@ -5062,35 +5047,35 @@
           <a:p>
             <a:pPr lvl="0"/>
             <a:r>
-              <a:rPr lang="en-US" smtClean="0"/>
+              <a:rPr lang="en-US"/>
               <a:t>Edit Master text styles</a:t>
             </a:r>
           </a:p>
           <a:p>
             <a:pPr lvl="1"/>
             <a:r>
-              <a:rPr lang="en-US" smtClean="0"/>
+              <a:rPr lang="en-US"/>
               <a:t>Second level</a:t>
             </a:r>
           </a:p>
           <a:p>
             <a:pPr lvl="2"/>
             <a:r>
-              <a:rPr lang="en-US" smtClean="0"/>
+              <a:rPr lang="en-US"/>
               <a:t>Third level</a:t>
             </a:r>
           </a:p>
           <a:p>
             <a:pPr lvl="3"/>
             <a:r>
-              <a:rPr lang="en-US" smtClean="0"/>
+              <a:rPr lang="en-US"/>
               <a:t>Fourth level</a:t>
             </a:r>
           </a:p>
           <a:p>
             <a:pPr lvl="4"/>
             <a:r>
-              <a:rPr lang="en-US" smtClean="0"/>
+              <a:rPr lang="en-US"/>
               <a:t>Fifth level</a:t>
             </a:r>
             <a:endParaRPr lang="en-US" dirty="0"/>
@@ -5162,7 +5147,7 @@
           <a:p>
             <a:pPr lvl="0"/>
             <a:r>
-              <a:rPr lang="en-US" smtClean="0"/>
+              <a:rPr lang="en-US"/>
               <a:t>Edit Master text styles</a:t>
             </a:r>
           </a:p>
@@ -5197,7 +5182,7 @@
             <a:fld id="{B61BEF0D-F0BB-DE4B-95CE-6DB70DBA9567}" type="datetimeFigureOut">
               <a:rPr lang="en-US" dirty="0"/>
               <a:pPr/>
-              <a:t>6/30/2024</a:t>
+              <a:t>7/1/2024</a:t>
             </a:fld>
             <a:endParaRPr lang="en-US" dirty="0"/>
           </a:p>
@@ -5324,7 +5309,7 @@
           </a:lstStyle>
           <a:p>
             <a:r>
-              <a:rPr lang="en-US" smtClean="0"/>
+              <a:rPr lang="en-US"/>
               <a:t>Click to edit Master title style</a:t>
             </a:r>
             <a:endParaRPr lang="en-US" dirty="0"/>
@@ -5391,10 +5376,9 @@
           </a:lstStyle>
           <a:p>
             <a:r>
-              <a:rPr lang="en-US" dirty="0" smtClean="0"/>
+              <a:rPr lang="en-US" dirty="0"/>
               <a:t>Click icon to add picture</a:t>
             </a:r>
-            <a:endParaRPr lang="en-US" dirty="0"/>
           </a:p>
         </p:txBody>
       </p:sp>
@@ -5459,7 +5443,7 @@
           <a:p>
             <a:pPr lvl="0"/>
             <a:r>
-              <a:rPr lang="en-US" smtClean="0"/>
+              <a:rPr lang="en-US"/>
               <a:t>Edit Master text styles</a:t>
             </a:r>
           </a:p>
@@ -5483,7 +5467,7 @@
             <a:fld id="{B61BEF0D-F0BB-DE4B-95CE-6DB70DBA9567}" type="datetimeFigureOut">
               <a:rPr lang="en-US" dirty="0"/>
               <a:pPr/>
-              <a:t>6/30/2024</a:t>
+              <a:t>7/1/2024</a:t>
             </a:fld>
             <a:endParaRPr lang="en-US" dirty="0"/>
           </a:p>
@@ -5588,7 +5572,7 @@
           <a:lstStyle/>
           <a:p>
             <a:r>
-              <a:rPr lang="en-US" smtClean="0"/>
+              <a:rPr lang="en-US"/>
               <a:t>Click to edit Master title style</a:t>
             </a:r>
             <a:endParaRPr lang="en-US" dirty="0"/>
@@ -5622,35 +5606,35 @@
           <a:p>
             <a:pPr lvl="0"/>
             <a:r>
-              <a:rPr lang="en-US" smtClean="0"/>
+              <a:rPr lang="en-US"/>
               <a:t>Edit Master text styles</a:t>
             </a:r>
           </a:p>
           <a:p>
             <a:pPr lvl="1"/>
             <a:r>
-              <a:rPr lang="en-US" smtClean="0"/>
+              <a:rPr lang="en-US"/>
               <a:t>Second level</a:t>
             </a:r>
           </a:p>
           <a:p>
             <a:pPr lvl="2"/>
             <a:r>
-              <a:rPr lang="en-US" smtClean="0"/>
+              <a:rPr lang="en-US"/>
               <a:t>Third level</a:t>
             </a:r>
           </a:p>
           <a:p>
             <a:pPr lvl="3"/>
             <a:r>
-              <a:rPr lang="en-US" smtClean="0"/>
+              <a:rPr lang="en-US"/>
               <a:t>Fourth level</a:t>
             </a:r>
           </a:p>
           <a:p>
             <a:pPr lvl="4"/>
             <a:r>
-              <a:rPr lang="en-US" smtClean="0"/>
+              <a:rPr lang="en-US"/>
               <a:t>Fifth level</a:t>
             </a:r>
             <a:endParaRPr lang="en-US" dirty="0"/>
@@ -5691,7 +5675,7 @@
             <a:fld id="{B61BEF0D-F0BB-DE4B-95CE-6DB70DBA9567}" type="datetimeFigureOut">
               <a:rPr lang="en-US" dirty="0"/>
               <a:pPr/>
-              <a:t>6/30/2024</a:t>
+              <a:t>7/1/2024</a:t>
             </a:fld>
             <a:endParaRPr lang="en-US" dirty="0"/>
           </a:p>
@@ -6306,10 +6290,9 @@
           <a:lstStyle/>
           <a:p>
             <a:r>
-              <a:rPr lang="en-US" sz="4800" dirty="0" smtClean="0"/>
+              <a:rPr lang="en-US" sz="4800" dirty="0"/>
               <a:t>IMAGE CLASSIFICATION OF X-RAY IMAGES FOR PNEUMONIA DETECTION</a:t>
             </a:r>
-            <a:endParaRPr lang="en-US" sz="4800" dirty="0"/>
           </a:p>
         </p:txBody>
       </p:sp>
@@ -6387,91 +6370,8 @@
           <a:lstStyle/>
           <a:p>
             <a:r>
-              <a:rPr lang="en-US" dirty="0" smtClean="0"/>
-              <a:t>SAMPLE IMAGES TO DISTINGUISH BETWEEN NORMAL &amp; PNEUMONIA CASES</a:t>
-            </a:r>
-            <a:endParaRPr lang="en-US" dirty="0"/>
-          </a:p>
-        </p:txBody>
-      </p:sp>
-      <p:pic>
-        <p:nvPicPr>
-          <p:cNvPr id="4" name="Content Placeholder 3"/>
-          <p:cNvPicPr>
-            <a:picLocks noGrp="1" noChangeAspect="1"/>
-          </p:cNvPicPr>
-          <p:nvPr>
-            <p:ph idx="1"/>
-          </p:nvPr>
-        </p:nvPicPr>
-        <p:blipFill>
-          <a:blip r:embed="rId2"/>
-          <a:stretch>
-            <a:fillRect/>
-          </a:stretch>
-        </p:blipFill>
-        <p:spPr>
-          <a:xfrm>
-            <a:off x="1691534" y="1906904"/>
-            <a:ext cx="8693437" cy="4811527"/>
-          </a:xfrm>
-          <a:prstGeom prst="rect">
-            <a:avLst/>
-          </a:prstGeom>
-        </p:spPr>
-      </p:pic>
-    </p:spTree>
-    <p:extLst>
-      <p:ext uri="{BB962C8B-B14F-4D97-AF65-F5344CB8AC3E}">
-        <p14:creationId xmlns:p14="http://schemas.microsoft.com/office/powerpoint/2010/main" val="1259290381"/>
-      </p:ext>
-    </p:extLst>
-  </p:cSld>
-  <p:clrMapOvr>
-    <a:masterClrMapping/>
-  </p:clrMapOvr>
-</p:sld>
-</file>
-
-<file path=ppt/slides/slide11.xml><?xml version="1.0" encoding="utf-8"?>
-<p:sld xmlns:a="http://schemas.openxmlformats.org/drawingml/2006/main" xmlns:r="http://schemas.openxmlformats.org/officeDocument/2006/relationships" xmlns:p="http://schemas.openxmlformats.org/presentationml/2006/main">
-  <p:cSld>
-    <p:spTree>
-      <p:nvGrpSpPr>
-        <p:cNvPr id="1" name=""/>
-        <p:cNvGrpSpPr/>
-        <p:nvPr/>
-      </p:nvGrpSpPr>
-      <p:grpSpPr>
-        <a:xfrm>
-          <a:off x="0" y="0"/>
-          <a:ext cx="0" cy="0"/>
-          <a:chOff x="0" y="0"/>
-          <a:chExt cx="0" cy="0"/>
-        </a:xfrm>
-      </p:grpSpPr>
-      <p:sp>
-        <p:nvSpPr>
-          <p:cNvPr id="2" name="Title 1"/>
-          <p:cNvSpPr>
-            <a:spLocks noGrp="1"/>
-          </p:cNvSpPr>
-          <p:nvPr>
-            <p:ph type="title"/>
-          </p:nvPr>
-        </p:nvSpPr>
-        <p:spPr/>
-        <p:txBody>
-          <a:bodyPr/>
-          <a:lstStyle/>
-          <a:p>
-            <a:r>
-              <a:rPr lang="en-US" b="1" dirty="0" smtClean="0"/>
-              <a:t>SCATTER PLOT DISPLAYING Image </a:t>
-            </a:r>
-            <a:r>
               <a:rPr lang="en-US" b="1" dirty="0"/>
-              <a:t>Size Distribution</a:t>
+              <a:t>SCATTER PLOT DISPLAYING Image Size Distribution</a:t>
             </a:r>
             <a:endParaRPr lang="en-US" dirty="0"/>
           </a:p>
@@ -6516,7 +6416,7 @@
 </p:sld>
 </file>
 
-<file path=ppt/slides/slide12.xml><?xml version="1.0" encoding="utf-8"?>
+<file path=ppt/slides/slide11.xml><?xml version="1.0" encoding="utf-8"?>
 <p:sld xmlns:a="http://schemas.openxmlformats.org/drawingml/2006/main" xmlns:r="http://schemas.openxmlformats.org/officeDocument/2006/relationships" xmlns:p="http://schemas.openxmlformats.org/presentationml/2006/main">
   <p:cSld>
     <p:spTree>
@@ -6549,10 +6449,9 @@
           <a:lstStyle/>
           <a:p>
             <a:r>
-              <a:rPr lang="en-US" dirty="0" smtClean="0"/>
+              <a:rPr lang="en-US" dirty="0"/>
               <a:t>IMAGE INTENSITY DISTRIBUTION</a:t>
             </a:r>
-            <a:endParaRPr lang="en-US" dirty="0"/>
           </a:p>
         </p:txBody>
       </p:sp>
@@ -6595,7 +6494,7 @@
 </p:sld>
 </file>
 
-<file path=ppt/slides/slide13.xml><?xml version="1.0" encoding="utf-8"?>
+<file path=ppt/slides/slide12.xml><?xml version="1.0" encoding="utf-8"?>
 <p:sld xmlns:a="http://schemas.openxmlformats.org/drawingml/2006/main" xmlns:r="http://schemas.openxmlformats.org/officeDocument/2006/relationships" xmlns:p="http://schemas.openxmlformats.org/presentationml/2006/main">
   <p:cSld>
     <p:spTree>
@@ -6628,10 +6527,9 @@
           <a:lstStyle/>
           <a:p>
             <a:r>
-              <a:rPr lang="en-US" dirty="0" smtClean="0"/>
+              <a:rPr lang="en-US" dirty="0"/>
               <a:t>HISTOGRAM SHOWING IMAGE ASPECT RATIO DISTRIBUTION</a:t>
             </a:r>
-            <a:endParaRPr lang="en-US" dirty="0"/>
           </a:p>
         </p:txBody>
       </p:sp>
@@ -6674,7 +6572,7 @@
 </p:sld>
 </file>
 
-<file path=ppt/slides/slide14.xml><?xml version="1.0" encoding="utf-8"?>
+<file path=ppt/slides/slide13.xml><?xml version="1.0" encoding="utf-8"?>
 <p:sld xmlns:a="http://schemas.openxmlformats.org/drawingml/2006/main" xmlns:r="http://schemas.openxmlformats.org/officeDocument/2006/relationships" xmlns:p="http://schemas.openxmlformats.org/presentationml/2006/main">
   <p:cSld>
     <p:spTree>
@@ -6707,10 +6605,9 @@
           <a:lstStyle/>
           <a:p>
             <a:r>
-              <a:rPr lang="en-US" dirty="0" smtClean="0"/>
+              <a:rPr lang="en-US" dirty="0"/>
               <a:t>IMAGE BRIGHTNESS DISTRIBUTION</a:t>
             </a:r>
-            <a:endParaRPr lang="en-US" dirty="0"/>
           </a:p>
         </p:txBody>
       </p:sp>
@@ -6753,7 +6650,7 @@
 </p:sld>
 </file>
 
-<file path=ppt/slides/slide15.xml><?xml version="1.0" encoding="utf-8"?>
+<file path=ppt/slides/slide14.xml><?xml version="1.0" encoding="utf-8"?>
 <p:sld xmlns:a="http://schemas.openxmlformats.org/drawingml/2006/main" xmlns:r="http://schemas.openxmlformats.org/officeDocument/2006/relationships" xmlns:p="http://schemas.openxmlformats.org/presentationml/2006/main">
   <p:cSld>
     <p:spTree>
@@ -6786,10 +6683,9 @@
           <a:lstStyle/>
           <a:p>
             <a:r>
-              <a:rPr lang="en-US" dirty="0" smtClean="0"/>
+              <a:rPr lang="en-US" dirty="0"/>
               <a:t>BAR GRAPH DISPLAYING TRAINING DATA CLASS DISTRIBUTION</a:t>
             </a:r>
-            <a:endParaRPr lang="en-US" dirty="0"/>
           </a:p>
         </p:txBody>
       </p:sp>
@@ -6832,6 +6728,127 @@
 </p:sld>
 </file>
 
+<file path=ppt/slides/slide15.xml><?xml version="1.0" encoding="utf-8"?>
+<p:sld xmlns:a="http://schemas.openxmlformats.org/drawingml/2006/main" xmlns:r="http://schemas.openxmlformats.org/officeDocument/2006/relationships" xmlns:p="http://schemas.openxmlformats.org/presentationml/2006/main">
+  <p:cSld>
+    <p:spTree>
+      <p:nvGrpSpPr>
+        <p:cNvPr id="1" name=""/>
+        <p:cNvGrpSpPr/>
+        <p:nvPr/>
+      </p:nvGrpSpPr>
+      <p:grpSpPr>
+        <a:xfrm>
+          <a:off x="0" y="0"/>
+          <a:ext cx="0" cy="0"/>
+          <a:chOff x="0" y="0"/>
+          <a:chExt cx="0" cy="0"/>
+        </a:xfrm>
+      </p:grpSpPr>
+      <p:sp>
+        <p:nvSpPr>
+          <p:cNvPr id="2" name="Title 1"/>
+          <p:cNvSpPr>
+            <a:spLocks noGrp="1"/>
+          </p:cNvSpPr>
+          <p:nvPr>
+            <p:ph type="title"/>
+          </p:nvPr>
+        </p:nvSpPr>
+        <p:spPr/>
+        <p:txBody>
+          <a:bodyPr/>
+          <a:lstStyle/>
+          <a:p>
+            <a:r>
+              <a:rPr lang="en-US" dirty="0"/>
+              <a:t>KEY INSIGHTS FROM DATA EXPLORATION</a:t>
+            </a:r>
+          </a:p>
+        </p:txBody>
+      </p:sp>
+      <p:sp>
+        <p:nvSpPr>
+          <p:cNvPr id="3" name="Content Placeholder 2"/>
+          <p:cNvSpPr>
+            <a:spLocks noGrp="1"/>
+          </p:cNvSpPr>
+          <p:nvPr>
+            <p:ph idx="1"/>
+          </p:nvPr>
+        </p:nvSpPr>
+        <p:spPr/>
+        <p:txBody>
+          <a:bodyPr/>
+          <a:lstStyle/>
+          <a:p>
+            <a:r>
+              <a:rPr lang="en-US" sz="2400" b="1" dirty="0"/>
+              <a:t>Image Size:</a:t>
+            </a:r>
+            <a:r>
+              <a:rPr lang="en-US" sz="2400" dirty="0"/>
+              <a:t> Data points for normal and pneumonia cases are closely clustered.</a:t>
+            </a:r>
+          </a:p>
+          <a:p>
+            <a:r>
+              <a:rPr lang="en-US" sz="2400" b="1" dirty="0"/>
+              <a:t>Pixel Intensity:</a:t>
+            </a:r>
+            <a:r>
+              <a:rPr lang="en-US" sz="2400" dirty="0"/>
+              <a:t> Significant overlap with slightly broader distribution for pneumonia images.</a:t>
+            </a:r>
+          </a:p>
+          <a:p>
+            <a:r>
+              <a:rPr lang="en-US" sz="2400" b="1" dirty="0"/>
+              <a:t>Aspect Ratio:</a:t>
+            </a:r>
+            <a:r>
+              <a:rPr lang="en-US" sz="2400" dirty="0"/>
+              <a:t> Most images have an aspect ratio between 1.0 and 1.5.</a:t>
+            </a:r>
+          </a:p>
+          <a:p>
+            <a:r>
+              <a:rPr lang="en-US" sz="2400" b="1" dirty="0"/>
+              <a:t>Brightness:</a:t>
+            </a:r>
+            <a:r>
+              <a:rPr lang="en-US" sz="2400" dirty="0"/>
+              <a:t> Normal images are generally brighter on average.</a:t>
+            </a:r>
+          </a:p>
+          <a:p>
+            <a:r>
+              <a:rPr lang="en-US" sz="2400" b="1" dirty="0"/>
+              <a:t>Class Distribution:</a:t>
+            </a:r>
+            <a:r>
+              <a:rPr lang="en-US" sz="2400" dirty="0"/>
+              <a:t> Balanced class distribution in training data.</a:t>
+            </a:r>
+          </a:p>
+          <a:p>
+            <a:endParaRPr lang="en-US" dirty="0"/>
+          </a:p>
+        </p:txBody>
+      </p:sp>
+    </p:spTree>
+    <p:extLst>
+      <p:ext uri="{BB962C8B-B14F-4D97-AF65-F5344CB8AC3E}">
+        <p14:creationId xmlns:p14="http://schemas.microsoft.com/office/powerpoint/2010/main" val="2415530584"/>
+      </p:ext>
+    </p:extLst>
+  </p:cSld>
+  <p:clrMapOvr>
+    <a:masterClrMapping/>
+  </p:clrMapOvr>
+</p:sld>
+</file>
+
 <file path=ppt/slides/slide16.xml><?xml version="1.0" encoding="utf-8"?>
 <p:sld xmlns:a="http://schemas.openxmlformats.org/drawingml/2006/main" xmlns:r="http://schemas.openxmlformats.org/officeDocument/2006/relationships" xmlns:p="http://schemas.openxmlformats.org/presentationml/2006/main">
   <p:cSld>
@@ -6865,10 +6882,9 @@
           <a:lstStyle/>
           <a:p>
             <a:r>
-              <a:rPr lang="en-US" dirty="0" smtClean="0"/>
-              <a:t>KEY INSIGHTS FROM DATA EXPLORATION</a:t>
-            </a:r>
-            <a:endParaRPr lang="en-US" dirty="0"/>
+              <a:rPr lang="en-US" dirty="0"/>
+              <a:t>Model evaluation</a:t>
+            </a:r>
           </a:p>
         </p:txBody>
       </p:sp>
@@ -6886,73 +6902,6 @@
         <p:txBody>
           <a:bodyPr/>
           <a:lstStyle/>
-          <a:p>
-            <a:r>
-              <a:rPr lang="en-US" sz="2400" b="1" dirty="0"/>
-              <a:t>Image Size:</a:t>
-            </a:r>
-            <a:r>
-              <a:rPr lang="en-US" sz="2400" dirty="0"/>
-              <a:t> Data points for normal and pneumonia cases are closely clustered</a:t>
-            </a:r>
-            <a:r>
-              <a:rPr lang="en-US" sz="2400" dirty="0" smtClean="0"/>
-              <a:t>.</a:t>
-            </a:r>
-          </a:p>
-          <a:p>
-            <a:r>
-              <a:rPr lang="en-US" sz="2400" b="1" dirty="0"/>
-              <a:t>Pixel Intensity:</a:t>
-            </a:r>
-            <a:r>
-              <a:rPr lang="en-US" sz="2400" dirty="0"/>
-              <a:t> Significant overlap with slightly broader distribution for pneumonia images</a:t>
-            </a:r>
-            <a:r>
-              <a:rPr lang="en-US" sz="2400" dirty="0" smtClean="0"/>
-              <a:t>.</a:t>
-            </a:r>
-          </a:p>
-          <a:p>
-            <a:r>
-              <a:rPr lang="en-US" sz="2400" b="1" dirty="0"/>
-              <a:t>Aspect Ratio:</a:t>
-            </a:r>
-            <a:r>
-              <a:rPr lang="en-US" sz="2400" dirty="0"/>
-              <a:t> Most images have an aspect ratio between 1.0 and 1.5</a:t>
-            </a:r>
-            <a:r>
-              <a:rPr lang="en-US" sz="2400" dirty="0" smtClean="0"/>
-              <a:t>.</a:t>
-            </a:r>
-          </a:p>
-          <a:p>
-            <a:r>
-              <a:rPr lang="en-US" sz="2400" b="1" dirty="0"/>
-              <a:t>Brightness:</a:t>
-            </a:r>
-            <a:r>
-              <a:rPr lang="en-US" sz="2400" dirty="0"/>
-              <a:t> Normal images are generally brighter on average</a:t>
-            </a:r>
-            <a:r>
-              <a:rPr lang="en-US" sz="2400" dirty="0" smtClean="0"/>
-              <a:t>.</a:t>
-            </a:r>
-          </a:p>
-          <a:p>
-            <a:r>
-              <a:rPr lang="en-US" sz="2400" b="1" dirty="0"/>
-              <a:t>Class Distribution:</a:t>
-            </a:r>
-            <a:r>
-              <a:rPr lang="en-US" sz="2400" dirty="0"/>
-              <a:t> Balanced class distribution in training data.</a:t>
-            </a:r>
-            <a:endParaRPr lang="en-US" sz="2400" dirty="0" smtClean="0"/>
-          </a:p>
           <a:p>
             <a:endParaRPr lang="en-US" dirty="0"/>
           </a:p>
@@ -6961,7 +6910,7 @@
     </p:spTree>
     <p:extLst>
       <p:ext uri="{BB962C8B-B14F-4D97-AF65-F5344CB8AC3E}">
-        <p14:creationId xmlns:p14="http://schemas.microsoft.com/office/powerpoint/2010/main" val="2415530584"/>
+        <p14:creationId xmlns:p14="http://schemas.microsoft.com/office/powerpoint/2010/main" val="689190811"/>
       </p:ext>
     </p:extLst>
   </p:cSld>
@@ -7004,10 +6953,9 @@
           <a:lstStyle/>
           <a:p>
             <a:r>
-              <a:rPr lang="en-US" dirty="0" smtClean="0"/>
-              <a:t>Model evaluation</a:t>
-            </a:r>
-            <a:endParaRPr lang="en-US" dirty="0"/>
+              <a:rPr lang="en-US" dirty="0"/>
+              <a:t>CONCLUSION</a:t>
+            </a:r>
           </a:p>
         </p:txBody>
       </p:sp>
@@ -7033,7 +6981,7 @@
     </p:spTree>
     <p:extLst>
       <p:ext uri="{BB962C8B-B14F-4D97-AF65-F5344CB8AC3E}">
-        <p14:creationId xmlns:p14="http://schemas.microsoft.com/office/powerpoint/2010/main" val="689190811"/>
+        <p14:creationId xmlns:p14="http://schemas.microsoft.com/office/powerpoint/2010/main" val="705034428"/>
       </p:ext>
     </p:extLst>
   </p:cSld>
@@ -7076,82 +7024,9 @@
           <a:lstStyle/>
           <a:p>
             <a:r>
-              <a:rPr lang="en-US" dirty="0" smtClean="0"/>
-              <a:t>CONCLUSION</a:t>
-            </a:r>
-            <a:endParaRPr lang="en-US" dirty="0"/>
-          </a:p>
-        </p:txBody>
-      </p:sp>
-      <p:sp>
-        <p:nvSpPr>
-          <p:cNvPr id="3" name="Content Placeholder 2"/>
-          <p:cNvSpPr>
-            <a:spLocks noGrp="1"/>
-          </p:cNvSpPr>
-          <p:nvPr>
-            <p:ph idx="1"/>
-          </p:nvPr>
-        </p:nvSpPr>
-        <p:spPr/>
-        <p:txBody>
-          <a:bodyPr/>
-          <a:lstStyle/>
-          <a:p>
-            <a:endParaRPr lang="en-US" dirty="0"/>
-          </a:p>
-        </p:txBody>
-      </p:sp>
-    </p:spTree>
-    <p:extLst>
-      <p:ext uri="{BB962C8B-B14F-4D97-AF65-F5344CB8AC3E}">
-        <p14:creationId xmlns:p14="http://schemas.microsoft.com/office/powerpoint/2010/main" val="705034428"/>
-      </p:ext>
-    </p:extLst>
-  </p:cSld>
-  <p:clrMapOvr>
-    <a:masterClrMapping/>
-  </p:clrMapOvr>
-</p:sld>
-</file>
-
-<file path=ppt/slides/slide19.xml><?xml version="1.0" encoding="utf-8"?>
-<p:sld xmlns:a="http://schemas.openxmlformats.org/drawingml/2006/main" xmlns:r="http://schemas.openxmlformats.org/officeDocument/2006/relationships" xmlns:p="http://schemas.openxmlformats.org/presentationml/2006/main">
-  <p:cSld>
-    <p:spTree>
-      <p:nvGrpSpPr>
-        <p:cNvPr id="1" name=""/>
-        <p:cNvGrpSpPr/>
-        <p:nvPr/>
-      </p:nvGrpSpPr>
-      <p:grpSpPr>
-        <a:xfrm>
-          <a:off x="0" y="0"/>
-          <a:ext cx="0" cy="0"/>
-          <a:chOff x="0" y="0"/>
-          <a:chExt cx="0" cy="0"/>
-        </a:xfrm>
-      </p:grpSpPr>
-      <p:sp>
-        <p:nvSpPr>
-          <p:cNvPr id="2" name="Title 1"/>
-          <p:cNvSpPr>
-            <a:spLocks noGrp="1"/>
-          </p:cNvSpPr>
-          <p:nvPr>
-            <p:ph type="title"/>
-          </p:nvPr>
-        </p:nvSpPr>
-        <p:spPr/>
-        <p:txBody>
-          <a:bodyPr/>
-          <a:lstStyle/>
-          <a:p>
-            <a:r>
-              <a:rPr lang="en-US" dirty="0" smtClean="0"/>
+              <a:rPr lang="en-US" dirty="0"/>
               <a:t>RECOMMENDATIONS &amp; NEXT STEPS</a:t>
             </a:r>
-            <a:endParaRPr lang="en-US" dirty="0"/>
           </a:p>
         </p:txBody>
       </p:sp>
@@ -7222,10 +7097,9 @@
           <a:lstStyle/>
           <a:p>
             <a:r>
-              <a:rPr lang="en-US" sz="4000" dirty="0" smtClean="0"/>
+              <a:rPr lang="en-US" sz="4000" dirty="0"/>
               <a:t>PHASE 4 GROUP 5 MEMBERS</a:t>
             </a:r>
-            <a:endParaRPr lang="en-US" sz="4000" dirty="0"/>
           </a:p>
         </p:txBody>
       </p:sp>
@@ -7302,10 +7176,9 @@
           <a:lstStyle/>
           <a:p>
             <a:r>
-              <a:rPr lang="en-US" sz="5400" dirty="0" smtClean="0"/>
+              <a:rPr lang="en-US" sz="5400" dirty="0"/>
               <a:t>INTRODUCTION</a:t>
             </a:r>
-            <a:endParaRPr lang="en-US" sz="5400" dirty="0"/>
           </a:p>
         </p:txBody>
       </p:sp>
@@ -7334,15 +7207,7 @@
             </a:pPr>
             <a:r>
               <a:rPr lang="en-US" sz="3200" dirty="0"/>
-              <a:t>Pneumonia is a common and potentially fatal lung infection. Accurate diagnosis is essential for effective treatment and patient </a:t>
-            </a:r>
-            <a:r>
-              <a:rPr lang="en-US" sz="3200" dirty="0" smtClean="0"/>
-              <a:t>management. </a:t>
-            </a:r>
-            <a:r>
-              <a:rPr lang="en-US" sz="3200" dirty="0"/>
-              <a:t>The "Large Dataset of Labeled Optical Coherence Tomography (OCT) and Chest X-Ray Images" is a comprehensive collection of medical images, aiming to support advancements in medical diagnosis through deep learning.</a:t>
+              <a:t>Pneumonia is a common and potentially fatal lung infection. Accurate diagnosis is essential for effective treatment and patient management. The "Large Dataset of Labeled Optical Coherence Tomography (OCT) and Chest X-Ray Images" is a comprehensive collection of medical images, aiming to support advancements in medical diagnosis through deep learning.</a:t>
             </a:r>
           </a:p>
           <a:p>
@@ -7398,10 +7263,9 @@
           <a:lstStyle/>
           <a:p>
             <a:r>
-              <a:rPr lang="en-US" sz="5400" dirty="0" smtClean="0"/>
+              <a:rPr lang="en-US" sz="5400" dirty="0"/>
               <a:t>Business problem</a:t>
             </a:r>
-            <a:endParaRPr lang="en-US" sz="5400" dirty="0"/>
           </a:p>
         </p:txBody>
       </p:sp>
@@ -7431,12 +7295,8 @@
               <a:buNone/>
             </a:pPr>
             <a:r>
-              <a:rPr lang="en-US" sz="3200" dirty="0" smtClean="0"/>
-              <a:t>In </a:t>
-            </a:r>
-            <a:r>
               <a:rPr lang="en-US" sz="3200" dirty="0"/>
-              <a:t>healthcare, accurate and efficient disease diagnosis is vital. Traditional methods of diagnosing pneumonia involve lengthy exams and lab tests, often requiring multiple doctor visits. This project aims to streamline this process using a deep learning model to detect pneumonia from chest x-ray images, providing faster and more precise diagnoses.</a:t>
+              <a:t>In healthcare, accurate and efficient disease diagnosis is vital. Traditional methods of diagnosing pneumonia involve lengthy exams and lab tests, often requiring multiple doctor visits. This project aims to streamline this process using a deep learning model to detect pneumonia from chest x-ray images, providing faster and more precise diagnoses.</a:t>
             </a:r>
           </a:p>
           <a:p>
@@ -7492,10 +7352,9 @@
           <a:lstStyle/>
           <a:p>
             <a:r>
-              <a:rPr lang="en-US" sz="5400" dirty="0" smtClean="0"/>
+              <a:rPr lang="en-US" sz="5400" dirty="0"/>
               <a:t>PROJECT GOALS</a:t>
             </a:r>
-            <a:endParaRPr lang="en-US" sz="5400" dirty="0"/>
           </a:p>
         </p:txBody>
       </p:sp>
@@ -7517,21 +7376,21 @@
         </p:spPr>
         <p:txBody>
           <a:bodyPr>
-            <a:normAutofit fontScale="92500" lnSpcReduction="20000"/>
+            <a:normAutofit lnSpcReduction="10000"/>
           </a:bodyPr>
           <a:lstStyle/>
           <a:p>
             <a:pPr marL="0" indent="0">
               <a:buNone/>
             </a:pPr>
-            <a:endParaRPr lang="en-US" sz="2000" b="1" dirty="0" smtClean="0"/>
+            <a:endParaRPr lang="en-US" sz="2000" b="1" dirty="0"/>
           </a:p>
           <a:p>
             <a:pPr marL="0" indent="0">
               <a:buNone/>
             </a:pPr>
             <a:r>
-              <a:rPr lang="en-US" sz="2400" b="1" dirty="0" smtClean="0"/>
+              <a:rPr lang="en-US" sz="2400" b="1" dirty="0"/>
               <a:t>Main Objective</a:t>
             </a:r>
           </a:p>
@@ -7540,74 +7399,41 @@
               <a:buNone/>
             </a:pPr>
             <a:r>
-              <a:rPr lang="en-US" sz="2400" dirty="0" smtClean="0"/>
-              <a:t>To develop </a:t>
-            </a:r>
-            <a:r>
               <a:rPr lang="en-US" sz="2400" dirty="0"/>
-              <a:t>a deep learning model to classify chest x-ray images for pneumonia detection</a:t>
-            </a:r>
-            <a:r>
-              <a:rPr lang="en-US" sz="2400" dirty="0" smtClean="0"/>
-              <a:t>.</a:t>
+              <a:t>To develop a deep learning model to classify chest x-ray images for pneumonia detection.</a:t>
             </a:r>
           </a:p>
           <a:p>
             <a:pPr marL="0" indent="0">
               <a:buNone/>
             </a:pPr>
-            <a:endParaRPr lang="en-US" sz="2400" dirty="0" smtClean="0"/>
+            <a:endParaRPr lang="en-US" sz="2400" dirty="0"/>
           </a:p>
           <a:p>
             <a:pPr marL="0" indent="0">
               <a:buNone/>
             </a:pPr>
             <a:r>
-              <a:rPr lang="en-US" sz="2400" b="1" dirty="0" smtClean="0"/>
+              <a:rPr lang="en-US" sz="2400" b="1" dirty="0"/>
               <a:t>Specific Objectives</a:t>
             </a:r>
           </a:p>
           <a:p>
             <a:r>
-              <a:rPr lang="en-US" sz="2400" dirty="0" smtClean="0"/>
-              <a:t>Investigate </a:t>
-            </a:r>
-            <a:r>
               <a:rPr lang="en-US" sz="2400" dirty="0"/>
-              <a:t>and apply various deep learning models to determine the most effective architecture for pneumonia detection.</a:t>
-            </a:r>
-          </a:p>
-          <a:p>
-            <a:r>
-              <a:rPr lang="en-US" sz="2400" dirty="0" smtClean="0"/>
-              <a:t>Use the </a:t>
-            </a:r>
+              <a:t>To determine the most effective architecture for pneumonia detection.</a:t>
+            </a:r>
+          </a:p>
+          <a:p>
             <a:r>
               <a:rPr lang="en-US" sz="2400" dirty="0"/>
-              <a:t>prepared dataset to train the deep learning </a:t>
-            </a:r>
-            <a:r>
-              <a:rPr lang="en-US" sz="2400" dirty="0" smtClean="0"/>
-              <a:t>model.</a:t>
-            </a:r>
-            <a:endParaRPr lang="en-US" sz="2400" dirty="0"/>
-          </a:p>
-          <a:p>
-            <a:r>
-              <a:rPr lang="en-US" sz="2400" dirty="0" smtClean="0"/>
-              <a:t>Assess </a:t>
-            </a:r>
+              <a:t>To train the deep learning model.</a:t>
+            </a:r>
+          </a:p>
+          <a:p>
             <a:r>
               <a:rPr lang="en-US" sz="2400" dirty="0"/>
-              <a:t>the trained </a:t>
-            </a:r>
-            <a:r>
-              <a:rPr lang="en-US" sz="2400" dirty="0" smtClean="0"/>
-              <a:t>model’s performance </a:t>
-            </a:r>
-            <a:r>
-              <a:rPr lang="en-US" sz="2400" dirty="0"/>
-              <a:t>using metrics such as accuracy, sensitivity, specificity, and area under the receiver operating characteristic (ROC) curve to validate its effectiveness in detecting pneumonia.</a:t>
+              <a:t>Assess the trained model’s performance to validate its effectiveness in detecting pneumonia.</a:t>
             </a:r>
           </a:p>
           <a:p>
@@ -7666,10 +7492,9 @@
           <a:lstStyle/>
           <a:p>
             <a:r>
-              <a:rPr lang="en-US" sz="4000" dirty="0" smtClean="0"/>
+              <a:rPr lang="en-US" sz="4000" dirty="0"/>
               <a:t>STAKEHOLDERS</a:t>
             </a:r>
-            <a:endParaRPr lang="en-US" sz="4000" dirty="0"/>
           </a:p>
         </p:txBody>
       </p:sp>
@@ -7691,28 +7516,27 @@
           <a:lstStyle/>
           <a:p>
             <a:r>
-              <a:rPr lang="en-US" sz="3200" dirty="0" smtClean="0"/>
+              <a:rPr lang="en-US" sz="3200" dirty="0"/>
               <a:t>Health Professionals</a:t>
             </a:r>
           </a:p>
           <a:p>
             <a:r>
-              <a:rPr lang="en-US" sz="3200" dirty="0" smtClean="0"/>
+              <a:rPr lang="en-US" sz="3200" dirty="0"/>
               <a:t>Patients</a:t>
             </a:r>
           </a:p>
           <a:p>
             <a:r>
-              <a:rPr lang="en-US" sz="3200" dirty="0" smtClean="0"/>
+              <a:rPr lang="en-US" sz="3200" dirty="0"/>
               <a:t>Radiologists</a:t>
             </a:r>
           </a:p>
           <a:p>
             <a:r>
-              <a:rPr lang="en-US" sz="3200" dirty="0" smtClean="0"/>
+              <a:rPr lang="en-US" sz="3200" dirty="0"/>
               <a:t>Medical Researchers</a:t>
             </a:r>
-            <a:endParaRPr lang="en-US" sz="3200" dirty="0"/>
           </a:p>
         </p:txBody>
       </p:sp>
@@ -7793,10 +7617,9 @@
           <a:lstStyle/>
           <a:p>
             <a:r>
-              <a:rPr lang="en-US" sz="4000" dirty="0" smtClean="0"/>
+              <a:rPr lang="en-US" sz="4000" dirty="0"/>
               <a:t>DATA OVERVIEW</a:t>
             </a:r>
-            <a:endParaRPr lang="en-US" sz="4000" dirty="0"/>
           </a:p>
         </p:txBody>
       </p:sp>
@@ -7819,11 +7642,11 @@
               <a:buNone/>
             </a:pPr>
             <a:r>
-              <a:rPr lang="en-US" sz="2400" b="1" dirty="0" smtClean="0"/>
+              <a:rPr lang="en-US" sz="2400" b="1" dirty="0"/>
               <a:t>Source: </a:t>
             </a:r>
             <a:r>
-              <a:rPr lang="en-US" sz="2400" dirty="0" smtClean="0"/>
+              <a:rPr lang="en-US" sz="2400" dirty="0"/>
               <a:t>Mendley Data</a:t>
             </a:r>
           </a:p>
@@ -7832,25 +7655,24 @@
               <a:buNone/>
             </a:pPr>
             <a:r>
-              <a:rPr lang="en-US" sz="2400" b="1" dirty="0" smtClean="0"/>
+              <a:rPr lang="en-US" sz="2400" b="1" dirty="0"/>
               <a:t>Data Organization:  </a:t>
             </a:r>
             <a:r>
-              <a:rPr lang="en-US" sz="2400" dirty="0" smtClean="0"/>
+              <a:rPr lang="en-US" sz="2400" dirty="0"/>
               <a:t>The images are categorized into “train”, “test” and “val” folders</a:t>
             </a:r>
-            <a:endParaRPr lang="en-US" sz="2400" dirty="0"/>
           </a:p>
           <a:p>
             <a:pPr marL="0" indent="0">
               <a:buNone/>
             </a:pPr>
             <a:r>
-              <a:rPr lang="en-US" sz="2400" b="1" dirty="0" smtClean="0"/>
+              <a:rPr lang="en-US" sz="2400" b="1" dirty="0"/>
               <a:t>Categories: </a:t>
             </a:r>
             <a:r>
-              <a:rPr lang="en-US" sz="2400" dirty="0" smtClean="0"/>
+              <a:rPr lang="en-US" sz="2400" dirty="0"/>
               <a:t>The images can be classified into two ; “Pneumonia” and  “Normal”</a:t>
             </a:r>
           </a:p>
@@ -7859,19 +7681,19 @@
               <a:buNone/>
             </a:pPr>
             <a:r>
-              <a:rPr lang="en-US" sz="2400" b="1" dirty="0" smtClean="0"/>
+              <a:rPr lang="en-US" sz="2400" b="1" dirty="0"/>
               <a:t>Patient Demographics: </a:t>
             </a:r>
             <a:r>
-              <a:rPr lang="en-US" sz="2400" dirty="0" smtClean="0"/>
+              <a:rPr lang="en-US" sz="2400" dirty="0"/>
               <a:t>Ages</a:t>
             </a:r>
             <a:r>
-              <a:rPr lang="en-US" sz="2400" b="1" dirty="0" smtClean="0"/>
+              <a:rPr lang="en-US" sz="2400" b="1" dirty="0"/>
               <a:t> </a:t>
             </a:r>
             <a:r>
-              <a:rPr lang="en-US" sz="2400" dirty="0" smtClean="0"/>
+              <a:rPr lang="en-US" sz="2400" dirty="0"/>
               <a:t>1-5years, Guangzhou Women and Children’s Medical Center</a:t>
             </a:r>
           </a:p>
@@ -7885,19 +7707,14 @@
             </a:r>
             <a:r>
               <a:rPr lang="en-US" sz="2400" dirty="0"/>
-              <a:t>Anterior – posterior chest </a:t>
-            </a:r>
-            <a:r>
-              <a:rPr lang="en-US" sz="2400" dirty="0" smtClean="0"/>
-              <a:t>X-rays, part of routine care</a:t>
-            </a:r>
-            <a:endParaRPr lang="en-US" sz="2400" dirty="0"/>
+              <a:t>Anterior – posterior chest X-rays, part of routine care</a:t>
+            </a:r>
           </a:p>
           <a:p>
             <a:pPr marL="0" indent="0">
               <a:buNone/>
             </a:pPr>
-            <a:endParaRPr lang="en-US" sz="2400" dirty="0" smtClean="0"/>
+            <a:endParaRPr lang="en-US" sz="2400" dirty="0"/>
           </a:p>
           <a:p>
             <a:pPr marL="0" indent="0">
@@ -7953,10 +7770,9 @@
           <a:lstStyle/>
           <a:p>
             <a:r>
-              <a:rPr lang="en-US" dirty="0" smtClean="0"/>
-              <a:t>METHODOLOGY</a:t>
-            </a:r>
-            <a:endParaRPr lang="en-US" dirty="0"/>
+              <a:rPr lang="en-US" dirty="0"/>
+              <a:t>SAMPLE DATA VISUALIZATIONS FROM EXPLORATORY DATA ANALYSIS</a:t>
+            </a:r>
           </a:p>
         </p:txBody>
       </p:sp>
@@ -7972,190 +7788,88 @@
         </p:nvSpPr>
         <p:spPr>
           <a:xfrm>
-            <a:off x="444136" y="1959429"/>
-            <a:ext cx="11377749" cy="4689565"/>
+            <a:off x="483326" y="1946366"/>
+            <a:ext cx="11260183" cy="4911634"/>
           </a:xfrm>
         </p:spPr>
         <p:txBody>
           <a:bodyPr>
-            <a:normAutofit fontScale="92500" lnSpcReduction="20000"/>
+            <a:normAutofit/>
           </a:bodyPr>
           <a:lstStyle/>
           <a:p>
-            <a:pPr marL="0" indent="0">
-              <a:buNone/>
-            </a:pPr>
-            <a:r>
-              <a:rPr lang="en-US" sz="2400" b="1" dirty="0"/>
-              <a:t>Steps:</a:t>
-            </a:r>
-            <a:endParaRPr lang="en-US" sz="2400" dirty="0"/>
-          </a:p>
-          <a:p>
-            <a:r>
-              <a:rPr lang="en-US" sz="2400" b="1" dirty="0"/>
-              <a:t>Data </a:t>
-            </a:r>
-            <a:r>
-              <a:rPr lang="en-US" sz="2400" b="1" dirty="0" smtClean="0"/>
-              <a:t>Preparation </a:t>
-            </a:r>
-            <a:r>
-              <a:rPr lang="en-US" sz="2400" b="1" dirty="0"/>
-              <a:t>and </a:t>
-            </a:r>
-            <a:r>
-              <a:rPr lang="en-US" sz="2400" b="1" dirty="0" smtClean="0"/>
-              <a:t>Cleaning</a:t>
-            </a:r>
-            <a:r>
-              <a:rPr lang="en-US" sz="2400" dirty="0" smtClean="0"/>
-              <a:t>: </a:t>
-            </a:r>
-          </a:p>
-          <a:p>
-            <a:pPr>
-              <a:buFont typeface="Wingdings" panose="05000000000000000000" pitchFamily="2" charset="2"/>
-              <a:buChar char="v"/>
-            </a:pPr>
-            <a:r>
-              <a:rPr lang="en-US" sz="2400" dirty="0" smtClean="0"/>
-              <a:t>Importing necessary libraries</a:t>
-            </a:r>
-          </a:p>
-          <a:p>
-            <a:pPr>
-              <a:buFont typeface="Wingdings" panose="05000000000000000000" pitchFamily="2" charset="2"/>
-              <a:buChar char="v"/>
-            </a:pPr>
-            <a:r>
-              <a:rPr lang="en-US" sz="2400" dirty="0" smtClean="0"/>
-              <a:t>Uploading and organizing data</a:t>
-            </a:r>
-          </a:p>
-          <a:p>
-            <a:pPr>
-              <a:buFont typeface="Wingdings" panose="05000000000000000000" pitchFamily="2" charset="2"/>
-              <a:buChar char="v"/>
-            </a:pPr>
-            <a:r>
-              <a:rPr lang="en-US" sz="2400" dirty="0" smtClean="0"/>
-              <a:t>Rescaling the images and verifying directory structure</a:t>
-            </a:r>
-            <a:endParaRPr lang="en-US" sz="2400" dirty="0"/>
-          </a:p>
-          <a:p>
-            <a:r>
-              <a:rPr lang="en-US" sz="2400" b="1" dirty="0" smtClean="0"/>
-              <a:t>Exploratory Data Analysis</a:t>
-            </a:r>
-            <a:r>
-              <a:rPr lang="en-US" sz="2400" dirty="0" smtClean="0"/>
-              <a:t>: </a:t>
-            </a:r>
-          </a:p>
-          <a:p>
-            <a:pPr>
-              <a:buFont typeface="Wingdings" panose="05000000000000000000" pitchFamily="2" charset="2"/>
-              <a:buChar char="v"/>
-            </a:pPr>
-            <a:r>
-              <a:rPr lang="en-US" sz="2400" dirty="0" smtClean="0"/>
-              <a:t>Displaying sample images</a:t>
-            </a:r>
-          </a:p>
-          <a:p>
-            <a:pPr>
-              <a:buFont typeface="Wingdings" panose="05000000000000000000" pitchFamily="2" charset="2"/>
-              <a:buChar char="v"/>
-            </a:pPr>
-            <a:r>
-              <a:rPr lang="en-US" sz="2400" dirty="0" smtClean="0"/>
-              <a:t>Analyzing image size, intensity, aspect ration and brightness distributions</a:t>
-            </a:r>
-          </a:p>
-          <a:p>
-            <a:pPr>
-              <a:buFont typeface="Wingdings" panose="05000000000000000000" pitchFamily="2" charset="2"/>
-              <a:buChar char="v"/>
-            </a:pPr>
-            <a:r>
-              <a:rPr lang="en-US" sz="2400" dirty="0" smtClean="0"/>
-              <a:t>Checking class distribution</a:t>
-            </a:r>
-          </a:p>
-          <a:p>
-            <a:r>
-              <a:rPr lang="en-US" sz="2400" b="1" dirty="0" smtClean="0"/>
-              <a:t>Model </a:t>
-            </a:r>
-            <a:r>
-              <a:rPr lang="en-US" sz="2400" b="1" dirty="0"/>
-              <a:t>Training</a:t>
-            </a:r>
-            <a:r>
-              <a:rPr lang="en-US" sz="2400" dirty="0"/>
-              <a:t>: Using various classification models to predict vaccination status</a:t>
-            </a:r>
-            <a:r>
-              <a:rPr lang="en-US" sz="2400" dirty="0" smtClean="0"/>
-              <a:t>.///////</a:t>
-            </a:r>
-            <a:endParaRPr lang="en-US" sz="2400" dirty="0"/>
-          </a:p>
-          <a:p>
-            <a:r>
-              <a:rPr lang="en-US" sz="2400" b="1" dirty="0"/>
-              <a:t>Evaluation</a:t>
-            </a:r>
-            <a:r>
-              <a:rPr lang="en-US" sz="2400" dirty="0"/>
-              <a:t>: Comparing model performance using metrics like accuracy, </a:t>
-            </a:r>
-            <a:r>
-              <a:rPr lang="en-US" sz="2400" dirty="0" smtClean="0"/>
-              <a:t>loss and precision.</a:t>
-            </a:r>
-            <a:endParaRPr lang="en-US" sz="2400" dirty="0"/>
+            <a:r>
+              <a:rPr lang="en-US" sz="1900" b="1" dirty="0"/>
+              <a:t>Sample images from each class: </a:t>
+            </a:r>
+            <a:r>
+              <a:rPr lang="en-US" sz="1900" dirty="0"/>
+              <a:t>provides a visual understanding of the types of images in the dataset, distinguishing between normal and pneumonia cases.</a:t>
+            </a:r>
+          </a:p>
+          <a:p>
+            <a:r>
+              <a:rPr lang="en-US" sz="1900" b="1" dirty="0"/>
+              <a:t>Image Size Distribution: </a:t>
+            </a:r>
+            <a:r>
+              <a:rPr lang="en-US" sz="1900" dirty="0"/>
+              <a:t>shows the variation in dimensions of the x-ray images, which was important for preprocessing steps</a:t>
+            </a:r>
+          </a:p>
+          <a:p>
+            <a:r>
+              <a:rPr lang="en-US" sz="1900" b="1" dirty="0"/>
+              <a:t>Image Intensity Distribution Plot: </a:t>
+            </a:r>
+            <a:r>
+              <a:rPr lang="en-US" sz="1900" dirty="0"/>
+              <a:t>gives insight into the brightness and contrast of the images, which affects image quality and feature extraction in the deep learning models</a:t>
+            </a:r>
+          </a:p>
+          <a:p>
+            <a:r>
+              <a:rPr lang="en-US" sz="1900" b="1" dirty="0"/>
+              <a:t>Image Aspect Ratio Distribution Histogram:  </a:t>
+            </a:r>
+            <a:r>
+              <a:rPr lang="en-US" sz="1900" dirty="0"/>
+              <a:t>for understanding the shape and proportion of the images, which  influences how images are resized and fed into neural networks.</a:t>
+            </a:r>
+          </a:p>
+          <a:p>
+            <a:r>
+              <a:rPr lang="en-US" sz="1900" b="1" dirty="0"/>
+              <a:t>Image Brightness Distribution Plot: </a:t>
+            </a:r>
+            <a:r>
+              <a:rPr lang="en-US" sz="1900" dirty="0"/>
+              <a:t>highlights the range and mean brightness levels, which can impact image normalization and model performance.</a:t>
+            </a:r>
+          </a:p>
+          <a:p>
+            <a:r>
+              <a:rPr lang="en-US" sz="1900" b="1" dirty="0"/>
+              <a:t>Training Data Class Distribution Bar Chart</a:t>
+            </a:r>
+            <a:r>
+              <a:rPr lang="en-US" sz="1900" dirty="0"/>
+              <a:t>: show the number of images in the dataset for normal vs pneumonia, which is crucial for understanding if there is class imbalance that might affect model training and evaluation</a:t>
+            </a:r>
+            <a:r>
+              <a:rPr lang="en-US" dirty="0"/>
+              <a:t>.</a:t>
+            </a:r>
           </a:p>
           <a:p>
             <a:endParaRPr lang="en-US" dirty="0"/>
           </a:p>
         </p:txBody>
       </p:sp>
-      <p:pic>
-        <p:nvPicPr>
-          <p:cNvPr id="5" name="Google Shape;676;p45"/>
-          <p:cNvPicPr preferRelativeResize="0">
-            <a:picLocks/>
-          </p:cNvPicPr>
-          <p:nvPr/>
-        </p:nvPicPr>
-        <p:blipFill rotWithShape="1">
-          <a:blip r:embed="rId2">
-            <a:alphaModFix/>
-          </a:blip>
-          <a:srcRect l="14908" r="14901"/>
-          <a:stretch/>
-        </p:blipFill>
-        <p:spPr>
-          <a:xfrm>
-            <a:off x="10162904" y="645733"/>
-            <a:ext cx="1541415" cy="1126645"/>
-          </a:xfrm>
-          <a:prstGeom prst="rect">
-            <a:avLst/>
-          </a:prstGeom>
-          <a:noFill/>
-          <a:ln>
-            <a:noFill/>
-          </a:ln>
-        </p:spPr>
-      </p:pic>
     </p:spTree>
     <p:extLst>
       <p:ext uri="{BB962C8B-B14F-4D97-AF65-F5344CB8AC3E}">
-        <p14:creationId xmlns:p14="http://schemas.microsoft.com/office/powerpoint/2010/main" val="2621128317"/>
+        <p14:creationId xmlns:p14="http://schemas.microsoft.com/office/powerpoint/2010/main" val="3811382421"/>
       </p:ext>
     </p:extLst>
   </p:cSld>
@@ -8198,204 +7912,42 @@
           <a:lstStyle/>
           <a:p>
             <a:r>
-              <a:rPr lang="en-US" dirty="0" smtClean="0"/>
-              <a:t>SAMPLE DATA VISUALIZATIONS FROM EXPLORATORY DATA ANALYSIS</a:t>
-            </a:r>
-            <a:endParaRPr lang="en-US" dirty="0"/>
-          </a:p>
-        </p:txBody>
-      </p:sp>
-      <p:sp>
-        <p:nvSpPr>
-          <p:cNvPr id="3" name="Content Placeholder 2"/>
-          <p:cNvSpPr>
-            <a:spLocks noGrp="1"/>
-          </p:cNvSpPr>
+              <a:rPr lang="en-US" dirty="0"/>
+              <a:t>SAMPLE IMAGES TO DISTINGUISH BETWEEN NORMAL &amp; PNEUMONIA CASES</a:t>
+            </a:r>
+          </a:p>
+        </p:txBody>
+      </p:sp>
+      <p:pic>
+        <p:nvPicPr>
+          <p:cNvPr id="4" name="Content Placeholder 3"/>
+          <p:cNvPicPr>
+            <a:picLocks noGrp="1" noChangeAspect="1"/>
+          </p:cNvPicPr>
           <p:nvPr>
             <p:ph idx="1"/>
           </p:nvPr>
-        </p:nvSpPr>
+        </p:nvPicPr>
+        <p:blipFill>
+          <a:blip r:embed="rId2"/>
+          <a:stretch>
+            <a:fillRect/>
+          </a:stretch>
+        </p:blipFill>
         <p:spPr>
           <a:xfrm>
-            <a:off x="483326" y="1946366"/>
-            <a:ext cx="11260183" cy="4911634"/>
+            <a:off x="1691534" y="1906904"/>
+            <a:ext cx="8693437" cy="4811527"/>
           </a:xfrm>
+          <a:prstGeom prst="rect">
+            <a:avLst/>
+          </a:prstGeom>
         </p:spPr>
-        <p:txBody>
-          <a:bodyPr>
-            <a:normAutofit/>
-          </a:bodyPr>
-          <a:lstStyle/>
-          <a:p>
-            <a:r>
-              <a:rPr lang="en-US" sz="1900" b="1" dirty="0" smtClean="0"/>
-              <a:t>Sample images from </a:t>
-            </a:r>
-            <a:r>
-              <a:rPr lang="en-US" sz="1900" b="1" dirty="0"/>
-              <a:t>each class</a:t>
-            </a:r>
-            <a:r>
-              <a:rPr lang="en-US" sz="1900" b="1" dirty="0" smtClean="0"/>
-              <a:t>: </a:t>
-            </a:r>
-            <a:r>
-              <a:rPr lang="en-US" sz="1900" dirty="0" smtClean="0"/>
-              <a:t>provides </a:t>
-            </a:r>
-            <a:r>
-              <a:rPr lang="en-US" sz="1900" dirty="0"/>
-              <a:t>a visual understanding of the types of images in the dataset, distinguishing between normal and pneumonia cases</a:t>
-            </a:r>
-            <a:r>
-              <a:rPr lang="en-US" sz="1900" dirty="0" smtClean="0"/>
-              <a:t>.</a:t>
-            </a:r>
-          </a:p>
-          <a:p>
-            <a:r>
-              <a:rPr lang="en-US" sz="1900" b="1" dirty="0" smtClean="0"/>
-              <a:t>Image Size Distribution: </a:t>
-            </a:r>
-            <a:r>
-              <a:rPr lang="en-US" sz="1900" dirty="0" smtClean="0"/>
-              <a:t>shows </a:t>
-            </a:r>
-            <a:r>
-              <a:rPr lang="en-US" sz="1900" dirty="0"/>
-              <a:t>the variation in dimensions of the x-ray images, which </a:t>
-            </a:r>
-            <a:r>
-              <a:rPr lang="en-US" sz="1900" dirty="0" smtClean="0"/>
-              <a:t>was important </a:t>
-            </a:r>
-            <a:r>
-              <a:rPr lang="en-US" sz="1900" dirty="0"/>
-              <a:t>for preprocessing </a:t>
-            </a:r>
-            <a:r>
-              <a:rPr lang="en-US" sz="1900" dirty="0" smtClean="0"/>
-              <a:t>steps</a:t>
-            </a:r>
-          </a:p>
-          <a:p>
-            <a:r>
-              <a:rPr lang="en-US" sz="1900" b="1" dirty="0" smtClean="0"/>
-              <a:t>Image Intensity </a:t>
-            </a:r>
-            <a:r>
-              <a:rPr lang="en-US" sz="1900" b="1" dirty="0"/>
-              <a:t>Distribution Plot</a:t>
-            </a:r>
-            <a:r>
-              <a:rPr lang="en-US" sz="1900" b="1" dirty="0" smtClean="0"/>
-              <a:t>: </a:t>
-            </a:r>
-            <a:r>
-              <a:rPr lang="en-US" sz="1900" dirty="0" smtClean="0"/>
-              <a:t>gives </a:t>
-            </a:r>
-            <a:r>
-              <a:rPr lang="en-US" sz="1900" dirty="0"/>
-              <a:t>insight into the brightness and contrast of the images, which affects image quality and feature extraction </a:t>
-            </a:r>
-            <a:r>
-              <a:rPr lang="en-US" sz="1900" dirty="0" smtClean="0"/>
-              <a:t>in the </a:t>
-            </a:r>
-            <a:r>
-              <a:rPr lang="en-US" sz="1900" dirty="0"/>
-              <a:t>deep learning </a:t>
-            </a:r>
-            <a:r>
-              <a:rPr lang="en-US" sz="1900" dirty="0" smtClean="0"/>
-              <a:t>models</a:t>
-            </a:r>
-          </a:p>
-          <a:p>
-            <a:r>
-              <a:rPr lang="en-US" sz="1900" b="1" dirty="0" smtClean="0"/>
-              <a:t>Image Aspect Ratio </a:t>
-            </a:r>
-            <a:r>
-              <a:rPr lang="en-US" sz="1900" b="1" dirty="0"/>
-              <a:t>Distribution Histogram:  </a:t>
-            </a:r>
-            <a:r>
-              <a:rPr lang="en-US" sz="1900" dirty="0" smtClean="0"/>
-              <a:t>for understanding </a:t>
-            </a:r>
-            <a:r>
-              <a:rPr lang="en-US" sz="1900" dirty="0"/>
-              <a:t>the shape and proportion of the images, which </a:t>
-            </a:r>
-            <a:r>
-              <a:rPr lang="en-US" sz="1900" dirty="0" smtClean="0"/>
-              <a:t> influences </a:t>
-            </a:r>
-            <a:r>
-              <a:rPr lang="en-US" sz="1900" dirty="0"/>
-              <a:t>how images are resized and fed into neural networks</a:t>
-            </a:r>
-            <a:r>
-              <a:rPr lang="en-US" sz="1900" dirty="0" smtClean="0"/>
-              <a:t>.</a:t>
-            </a:r>
-          </a:p>
-          <a:p>
-            <a:r>
-              <a:rPr lang="en-US" sz="1900" b="1" dirty="0"/>
-              <a:t>Image Brightness Distribution </a:t>
-            </a:r>
-            <a:r>
-              <a:rPr lang="en-US" sz="1900" b="1" dirty="0" smtClean="0"/>
-              <a:t>Plot: </a:t>
-            </a:r>
-            <a:r>
-              <a:rPr lang="en-US" sz="1900" dirty="0" smtClean="0"/>
-              <a:t>highlights </a:t>
-            </a:r>
-            <a:r>
-              <a:rPr lang="en-US" sz="1900" dirty="0"/>
-              <a:t>the range and mean brightness levels, which can impact image normalization and model performance</a:t>
-            </a:r>
-            <a:r>
-              <a:rPr lang="en-US" sz="1900" dirty="0" smtClean="0"/>
-              <a:t>.</a:t>
-            </a:r>
-          </a:p>
-          <a:p>
-            <a:r>
-              <a:rPr lang="en-US" sz="1900" b="1" dirty="0"/>
-              <a:t>Training Data Class Distribution Bar </a:t>
-            </a:r>
-            <a:r>
-              <a:rPr lang="en-US" sz="1900" b="1" dirty="0" smtClean="0"/>
-              <a:t>Chart</a:t>
-            </a:r>
-            <a:r>
-              <a:rPr lang="en-US" sz="1900" dirty="0" smtClean="0"/>
-              <a:t>: show the number of images in the dataset for normal vs pneumonia, </a:t>
-            </a:r>
-            <a:r>
-              <a:rPr lang="en-US" sz="1900" dirty="0"/>
-              <a:t>which is crucial for understanding if there is class imbalance that might affect model training and evaluation</a:t>
-            </a:r>
-            <a:r>
-              <a:rPr lang="en-US" dirty="0"/>
-              <a:t>.</a:t>
-            </a:r>
-            <a:endParaRPr lang="en-US" dirty="0" smtClean="0"/>
-          </a:p>
-          <a:p>
-            <a:endParaRPr lang="en-US" dirty="0"/>
-          </a:p>
-        </p:txBody>
-      </p:sp>
+      </p:pic>
     </p:spTree>
     <p:extLst>
       <p:ext uri="{BB962C8B-B14F-4D97-AF65-F5344CB8AC3E}">
-        <p14:creationId xmlns:p14="http://schemas.microsoft.com/office/powerpoint/2010/main" val="3811382421"/>
+        <p14:creationId xmlns:p14="http://schemas.microsoft.com/office/powerpoint/2010/main" val="1259290381"/>
       </p:ext>
     </p:extLst>
   </p:cSld>

--- a/IMAGE CLASSIFICATION OF X-RAY IMAGES FOR PNEUMONIA DETECTION.pptx
+++ b/IMAGE CLASSIFICATION OF X-RAY IMAGES FOR PNEUMONIA DETECTION.pptx
@@ -12,17 +12,18 @@
     <p:sldId id="259" r:id="rId6"/>
     <p:sldId id="260" r:id="rId7"/>
     <p:sldId id="261" r:id="rId8"/>
-    <p:sldId id="263" r:id="rId9"/>
+    <p:sldId id="275" r:id="rId9"/>
     <p:sldId id="267" r:id="rId10"/>
     <p:sldId id="268" r:id="rId11"/>
     <p:sldId id="269" r:id="rId12"/>
     <p:sldId id="270" r:id="rId13"/>
     <p:sldId id="271" r:id="rId14"/>
     <p:sldId id="272" r:id="rId15"/>
-    <p:sldId id="264" r:id="rId16"/>
-    <p:sldId id="273" r:id="rId17"/>
-    <p:sldId id="265" r:id="rId18"/>
-    <p:sldId id="266" r:id="rId19"/>
+    <p:sldId id="277" r:id="rId16"/>
+    <p:sldId id="276" r:id="rId17"/>
+    <p:sldId id="273" r:id="rId18"/>
+    <p:sldId id="265" r:id="rId19"/>
+    <p:sldId id="266" r:id="rId20"/>
   </p:sldIdLst>
   <p:sldSz cx="12192000" cy="6858000"/>
   <p:notesSz cx="6858000" cy="9144000"/>
@@ -1024,6 +1025,13 @@
         </dgm:presLayoutVars>
       </dgm:prSet>
       <dgm:spPr/>
+      <dgm:t>
+        <a:bodyPr/>
+        <a:lstStyle/>
+        <a:p>
+          <a:endParaRPr lang="en-US"/>
+        </a:p>
+      </dgm:t>
     </dgm:pt>
     <dgm:pt modelId="{D726A96B-B68E-4DF2-B863-EF6610B215A6}" type="pres">
       <dgm:prSet presAssocID="{54E66805-61AC-44C0-B280-4C2FD19890F5}" presName="node" presStyleLbl="node1" presStyleIdx="0" presStyleCnt="3" custScaleX="38465" custScaleY="35138" custLinFactNeighborX="-326" custLinFactNeighborY="-40232">
@@ -1032,6 +1040,13 @@
         </dgm:presLayoutVars>
       </dgm:prSet>
       <dgm:spPr/>
+      <dgm:t>
+        <a:bodyPr/>
+        <a:lstStyle/>
+        <a:p>
+          <a:endParaRPr lang="en-US"/>
+        </a:p>
+      </dgm:t>
     </dgm:pt>
     <dgm:pt modelId="{7392720D-09FF-4A4E-A84D-D93A12D7C13C}" type="pres">
       <dgm:prSet presAssocID="{0E422DC3-D7E2-417E-9FD1-7B99A34B6CFD}" presName="sibTrans" presStyleCnt="0"/>
@@ -1044,6 +1059,13 @@
         </dgm:presLayoutVars>
       </dgm:prSet>
       <dgm:spPr/>
+      <dgm:t>
+        <a:bodyPr/>
+        <a:lstStyle/>
+        <a:p>
+          <a:endParaRPr lang="en-US"/>
+        </a:p>
+      </dgm:t>
     </dgm:pt>
     <dgm:pt modelId="{63AB3669-A12C-4DA1-962F-BFB798424225}" type="pres">
       <dgm:prSet presAssocID="{8344BEC4-C1B4-414E-9511-42379CF1F6D1}" presName="sibTrans" presStyleCnt="0"/>
@@ -1056,16 +1078,23 @@
         </dgm:presLayoutVars>
       </dgm:prSet>
       <dgm:spPr/>
+      <dgm:t>
+        <a:bodyPr/>
+        <a:lstStyle/>
+        <a:p>
+          <a:endParaRPr lang="en-US"/>
+        </a:p>
+      </dgm:t>
     </dgm:pt>
   </dgm:ptLst>
   <dgm:cxnLst>
+    <dgm:cxn modelId="{E3282A46-067E-43FA-9024-1ADE4014E81D}" srcId="{4CDF9A6F-D8A3-47CA-9FF0-B5D8183ED353}" destId="{167DD0CC-BB6E-423C-8FAE-5B77992F46D0}" srcOrd="1" destOrd="0" parTransId="{B35323D7-59BF-4DA4-A8F7-2FF7DF3C761C}" sibTransId="{8344BEC4-C1B4-414E-9511-42379CF1F6D1}"/>
     <dgm:cxn modelId="{048B9205-81F3-4352-ADAB-235218102AF9}" type="presOf" srcId="{4CDF9A6F-D8A3-47CA-9FF0-B5D8183ED353}" destId="{ED6AC645-4140-4B50-B2B0-58F063BE59AE}" srcOrd="0" destOrd="0" presId="urn:microsoft.com/office/officeart/2005/8/layout/default"/>
     <dgm:cxn modelId="{A725435B-AB75-45DB-B421-C68A8E8BCB1F}" srcId="{4CDF9A6F-D8A3-47CA-9FF0-B5D8183ED353}" destId="{54E66805-61AC-44C0-B280-4C2FD19890F5}" srcOrd="0" destOrd="0" parTransId="{5F8E19A9-34E2-451F-B2B8-4843E2F2AFB4}" sibTransId="{0E422DC3-D7E2-417E-9FD1-7B99A34B6CFD}"/>
-    <dgm:cxn modelId="{E3282A46-067E-43FA-9024-1ADE4014E81D}" srcId="{4CDF9A6F-D8A3-47CA-9FF0-B5D8183ED353}" destId="{167DD0CC-BB6E-423C-8FAE-5B77992F46D0}" srcOrd="1" destOrd="0" parTransId="{B35323D7-59BF-4DA4-A8F7-2FF7DF3C761C}" sibTransId="{8344BEC4-C1B4-414E-9511-42379CF1F6D1}"/>
-    <dgm:cxn modelId="{58801567-28EA-4824-83FD-A756CB6C2619}" type="presOf" srcId="{6C8B00A9-FB02-4104-8FDF-B623BF61BE84}" destId="{28A26AEA-099F-47C3-BA26-126D4CF1B80C}" srcOrd="0" destOrd="0" presId="urn:microsoft.com/office/officeart/2005/8/layout/default"/>
     <dgm:cxn modelId="{380B507F-76A7-40F7-9E74-EE78F07CFE3A}" srcId="{4CDF9A6F-D8A3-47CA-9FF0-B5D8183ED353}" destId="{6C8B00A9-FB02-4104-8FDF-B623BF61BE84}" srcOrd="2" destOrd="0" parTransId="{E917312B-3985-40D9-A068-8C7DE95750E4}" sibTransId="{5591B20B-DB1F-447A-92F4-EF9850AB41F2}"/>
     <dgm:cxn modelId="{F80011C1-3E6E-4EE9-B905-FC98B44C56BA}" type="presOf" srcId="{54E66805-61AC-44C0-B280-4C2FD19890F5}" destId="{D726A96B-B68E-4DF2-B863-EF6610B215A6}" srcOrd="0" destOrd="0" presId="urn:microsoft.com/office/officeart/2005/8/layout/default"/>
     <dgm:cxn modelId="{CAC2F5FA-C886-48A2-87D1-FA7661ADF578}" type="presOf" srcId="{167DD0CC-BB6E-423C-8FAE-5B77992F46D0}" destId="{34B36197-35D3-48CC-B814-C3E89FEC541F}" srcOrd="0" destOrd="0" presId="urn:microsoft.com/office/officeart/2005/8/layout/default"/>
+    <dgm:cxn modelId="{58801567-28EA-4824-83FD-A756CB6C2619}" type="presOf" srcId="{6C8B00A9-FB02-4104-8FDF-B623BF61BE84}" destId="{28A26AEA-099F-47C3-BA26-126D4CF1B80C}" srcOrd="0" destOrd="0" presId="urn:microsoft.com/office/officeart/2005/8/layout/default"/>
     <dgm:cxn modelId="{64B3B539-5B68-4439-9D41-1BF5BE20CBF5}" type="presParOf" srcId="{ED6AC645-4140-4B50-B2B0-58F063BE59AE}" destId="{D726A96B-B68E-4DF2-B863-EF6610B215A6}" srcOrd="0" destOrd="0" presId="urn:microsoft.com/office/officeart/2005/8/layout/default"/>
     <dgm:cxn modelId="{6EA2CEAA-5939-4B8C-8050-605029752850}" type="presParOf" srcId="{ED6AC645-4140-4B50-B2B0-58F063BE59AE}" destId="{7392720D-09FF-4A4E-A84D-D93A12D7C13C}" srcOrd="1" destOrd="0" presId="urn:microsoft.com/office/officeart/2005/8/layout/default"/>
     <dgm:cxn modelId="{01CEAD2B-5FF3-40AE-AFE9-1DF6ABAC0A8C}" type="presParOf" srcId="{ED6AC645-4140-4B50-B2B0-58F063BE59AE}" destId="{34B36197-35D3-48CC-B814-C3E89FEC541F}" srcOrd="2" destOrd="0" presId="urn:microsoft.com/office/officeart/2005/8/layout/default"/>
@@ -1144,7 +1173,7 @@
         </a:bodyPr>
         <a:lstStyle/>
         <a:p>
-          <a:pPr marL="0" lvl="0" indent="0" algn="ctr" defTabSz="1289050">
+          <a:pPr lvl="0" algn="ctr" defTabSz="1289050">
             <a:lnSpc>
               <a:spcPct val="90000"/>
             </a:lnSpc>
@@ -1154,7 +1183,6 @@
             <a:spcAft>
               <a:spcPct val="35000"/>
             </a:spcAft>
-            <a:buNone/>
           </a:pPr>
           <a:r>
             <a:rPr lang="en-US" sz="2900" kern="1200" dirty="0"/>
@@ -1162,7 +1190,7 @@
           </a:r>
         </a:p>
         <a:p>
-          <a:pPr marL="0" lvl="0" indent="0" algn="ctr" defTabSz="1289050">
+          <a:pPr lvl="0" algn="ctr" defTabSz="1289050">
             <a:lnSpc>
               <a:spcPct val="90000"/>
             </a:lnSpc>
@@ -1172,7 +1200,6 @@
             <a:spcAft>
               <a:spcPct val="35000"/>
             </a:spcAft>
-            <a:buNone/>
           </a:pPr>
           <a:r>
             <a:rPr lang="en-US" sz="2900" kern="1200" dirty="0"/>
@@ -1239,7 +1266,7 @@
         </a:bodyPr>
         <a:lstStyle/>
         <a:p>
-          <a:pPr marL="0" lvl="0" indent="0" algn="ctr" defTabSz="1289050">
+          <a:pPr lvl="0" algn="ctr" defTabSz="1289050">
             <a:lnSpc>
               <a:spcPct val="90000"/>
             </a:lnSpc>
@@ -1249,7 +1276,6 @@
             <a:spcAft>
               <a:spcPct val="35000"/>
             </a:spcAft>
-            <a:buNone/>
           </a:pPr>
           <a:r>
             <a:rPr lang="en-US" sz="2900" kern="1200" dirty="0"/>
@@ -1257,7 +1283,7 @@
           </a:r>
         </a:p>
         <a:p>
-          <a:pPr marL="0" lvl="0" indent="0" algn="ctr" defTabSz="1289050">
+          <a:pPr lvl="0" algn="ctr" defTabSz="1289050">
             <a:lnSpc>
               <a:spcPct val="90000"/>
             </a:lnSpc>
@@ -1267,7 +1293,6 @@
             <a:spcAft>
               <a:spcPct val="35000"/>
             </a:spcAft>
-            <a:buNone/>
           </a:pPr>
           <a:r>
             <a:rPr lang="en-US" sz="2900" kern="1200" dirty="0"/>
@@ -1334,7 +1359,7 @@
         </a:bodyPr>
         <a:lstStyle/>
         <a:p>
-          <a:pPr marL="0" lvl="0" indent="0" algn="ctr" defTabSz="1289050">
+          <a:pPr lvl="0" algn="ctr" defTabSz="1289050">
             <a:lnSpc>
               <a:spcPct val="90000"/>
             </a:lnSpc>
@@ -1344,7 +1369,6 @@
             <a:spcAft>
               <a:spcPct val="35000"/>
             </a:spcAft>
-            <a:buNone/>
           </a:pPr>
           <a:r>
             <a:rPr lang="en-US" sz="2900" kern="1200" dirty="0"/>
@@ -1352,7 +1376,7 @@
           </a:r>
         </a:p>
         <a:p>
-          <a:pPr marL="0" lvl="0" indent="0" algn="ctr" defTabSz="1289050">
+          <a:pPr lvl="0" algn="ctr" defTabSz="1289050">
             <a:lnSpc>
               <a:spcPct val="90000"/>
             </a:lnSpc>
@@ -1362,7 +1386,6 @@
             <a:spcAft>
               <a:spcPct val="35000"/>
             </a:spcAft>
-            <a:buNone/>
           </a:pPr>
           <a:r>
             <a:rPr lang="en-US" sz="2900" kern="1200" dirty="0"/>
@@ -6395,14 +6418,54 @@
         </p:blipFill>
         <p:spPr>
           <a:xfrm>
-            <a:off x="1267097" y="1945051"/>
-            <a:ext cx="8673737" cy="4741891"/>
+            <a:off x="261257" y="1951089"/>
+            <a:ext cx="9177427" cy="4806164"/>
           </a:xfrm>
           <a:prstGeom prst="rect">
             <a:avLst/>
           </a:prstGeom>
         </p:spPr>
       </p:pic>
+      <p:sp>
+        <p:nvSpPr>
+          <p:cNvPr id="3" name="TextBox 2"/>
+          <p:cNvSpPr txBox="1"/>
+          <p:nvPr/>
+        </p:nvSpPr>
+        <p:spPr>
+          <a:xfrm>
+            <a:off x="9595438" y="3056708"/>
+            <a:ext cx="2263564" cy="1754326"/>
+          </a:xfrm>
+          <a:prstGeom prst="rect">
+            <a:avLst/>
+          </a:prstGeom>
+          <a:noFill/>
+        </p:spPr>
+        <p:txBody>
+          <a:bodyPr wrap="square" rtlCol="0">
+            <a:spAutoFit/>
+          </a:bodyPr>
+          <a:lstStyle/>
+          <a:p>
+            <a:r>
+              <a:rPr lang="en-US" dirty="0"/>
+              <a:t>S</a:t>
+            </a:r>
+            <a:r>
+              <a:rPr lang="en-US" dirty="0" smtClean="0"/>
+              <a:t>hows </a:t>
+            </a:r>
+            <a:r>
+              <a:rPr lang="en-US" dirty="0"/>
+              <a:t>the variation in dimensions of the x-ray images, which was important for preprocessing steps</a:t>
+            </a:r>
+          </a:p>
+          <a:p>
+            <a:endParaRPr lang="en-US" dirty="0"/>
+          </a:p>
+        </p:txBody>
+      </p:sp>
     </p:spTree>
     <p:extLst>
       <p:ext uri="{BB962C8B-B14F-4D97-AF65-F5344CB8AC3E}">
@@ -6473,14 +6536,43 @@
         </p:blipFill>
         <p:spPr>
           <a:xfrm>
-            <a:off x="1421875" y="2142035"/>
-            <a:ext cx="7068981" cy="4180387"/>
+            <a:off x="319935" y="1994347"/>
+            <a:ext cx="8497494" cy="5025167"/>
           </a:xfrm>
           <a:prstGeom prst="rect">
             <a:avLst/>
           </a:prstGeom>
         </p:spPr>
       </p:pic>
+      <p:sp>
+        <p:nvSpPr>
+          <p:cNvPr id="3" name="TextBox 2"/>
+          <p:cNvSpPr txBox="1"/>
+          <p:nvPr/>
+        </p:nvSpPr>
+        <p:spPr>
+          <a:xfrm>
+            <a:off x="8908870" y="2599508"/>
+            <a:ext cx="3069770" cy="2862322"/>
+          </a:xfrm>
+          <a:prstGeom prst="rect">
+            <a:avLst/>
+          </a:prstGeom>
+          <a:noFill/>
+        </p:spPr>
+        <p:txBody>
+          <a:bodyPr wrap="square" rtlCol="0">
+            <a:spAutoFit/>
+          </a:bodyPr>
+          <a:lstStyle/>
+          <a:p>
+            <a:r>
+              <a:rPr lang="en-US" dirty="0"/>
+              <a:t>Normal and pneumonia images have similar peak pixel intensities with significant overlap, but pneumonia images exhibit a broader distribution, indicating greater variability in pixel values possibly due to varying degrees of infection or different visual characteristics of the disease.</a:t>
+            </a:r>
+          </a:p>
+        </p:txBody>
+      </p:sp>
     </p:spTree>
     <p:extLst>
       <p:ext uri="{BB962C8B-B14F-4D97-AF65-F5344CB8AC3E}">
@@ -6551,14 +6643,72 @@
         </p:blipFill>
         <p:spPr>
           <a:xfrm>
-            <a:off x="1815738" y="2207349"/>
-            <a:ext cx="8334102" cy="4646763"/>
+            <a:off x="130628" y="2069153"/>
+            <a:ext cx="9078686" cy="4788847"/>
           </a:xfrm>
           <a:prstGeom prst="rect">
             <a:avLst/>
           </a:prstGeom>
         </p:spPr>
       </p:pic>
+      <p:sp>
+        <p:nvSpPr>
+          <p:cNvPr id="3" name="TextBox 2"/>
+          <p:cNvSpPr txBox="1"/>
+          <p:nvPr/>
+        </p:nvSpPr>
+        <p:spPr>
+          <a:xfrm>
+            <a:off x="9313818" y="2860766"/>
+            <a:ext cx="2599508" cy="2862322"/>
+          </a:xfrm>
+          <a:prstGeom prst="rect">
+            <a:avLst/>
+          </a:prstGeom>
+          <a:noFill/>
+        </p:spPr>
+        <p:txBody>
+          <a:bodyPr wrap="square" rtlCol="0">
+            <a:spAutoFit/>
+          </a:bodyPr>
+          <a:lstStyle/>
+          <a:p>
+            <a:r>
+              <a:rPr lang="en-US" dirty="0" smtClean="0"/>
+              <a:t>Shows the </a:t>
+            </a:r>
+            <a:r>
+              <a:rPr lang="en-US" dirty="0"/>
+              <a:t>shape and proportion of the </a:t>
+            </a:r>
+            <a:r>
+              <a:rPr lang="en-US" dirty="0" smtClean="0"/>
+              <a:t>images.</a:t>
+            </a:r>
+            <a:r>
+              <a:rPr lang="en-US" dirty="0"/>
+              <a:t> </a:t>
+            </a:r>
+            <a:endParaRPr lang="en-US" dirty="0" smtClean="0"/>
+          </a:p>
+          <a:p>
+            <a:endParaRPr lang="en-US" dirty="0" smtClean="0"/>
+          </a:p>
+          <a:p>
+            <a:r>
+              <a:rPr lang="en-US" dirty="0" smtClean="0"/>
+              <a:t>The </a:t>
+            </a:r>
+            <a:r>
+              <a:rPr lang="en-US" dirty="0"/>
+              <a:t>aspect ratio distribution indicates that most images have an aspect ratio between 1.0 and 1.5, with a peak around 1.3.</a:t>
+            </a:r>
+          </a:p>
+          <a:p>
+            <a:endParaRPr lang="en-US" dirty="0"/>
+          </a:p>
+        </p:txBody>
+      </p:sp>
     </p:spTree>
     <p:extLst>
       <p:ext uri="{BB962C8B-B14F-4D97-AF65-F5344CB8AC3E}">
@@ -6629,14 +6779,43 @@
         </p:blipFill>
         <p:spPr>
           <a:xfrm>
-            <a:off x="1110342" y="2142035"/>
-            <a:ext cx="7929155" cy="4128135"/>
+            <a:off x="182879" y="2024469"/>
+            <a:ext cx="8948058" cy="4658604"/>
           </a:xfrm>
           <a:prstGeom prst="rect">
             <a:avLst/>
           </a:prstGeom>
         </p:spPr>
       </p:pic>
+      <p:sp>
+        <p:nvSpPr>
+          <p:cNvPr id="3" name="TextBox 2"/>
+          <p:cNvSpPr txBox="1"/>
+          <p:nvPr/>
+        </p:nvSpPr>
+        <p:spPr>
+          <a:xfrm>
+            <a:off x="9326879" y="2722891"/>
+            <a:ext cx="2612572" cy="2862322"/>
+          </a:xfrm>
+          <a:prstGeom prst="rect">
+            <a:avLst/>
+          </a:prstGeom>
+          <a:noFill/>
+        </p:spPr>
+        <p:txBody>
+          <a:bodyPr wrap="square" rtlCol="0">
+            <a:spAutoFit/>
+          </a:bodyPr>
+          <a:lstStyle/>
+          <a:p>
+            <a:r>
+              <a:rPr lang="en-US" dirty="0"/>
+              <a:t>Normal and pneumonia images have overlapping brightness distributions, with pneumonia images showing a wider spread and a lower peak brightness, indicating that normal images are generally brighter on average.</a:t>
+            </a:r>
+          </a:p>
+        </p:txBody>
+      </p:sp>
     </p:spTree>
     <p:extLst>
       <p:ext uri="{BB962C8B-B14F-4D97-AF65-F5344CB8AC3E}">
@@ -6707,14 +6886,86 @@
         </p:blipFill>
         <p:spPr>
           <a:xfrm>
-            <a:off x="966651" y="2142036"/>
-            <a:ext cx="7707086" cy="4402455"/>
+            <a:off x="581192" y="2152397"/>
+            <a:ext cx="8366865" cy="4633771"/>
           </a:xfrm>
           <a:prstGeom prst="rect">
             <a:avLst/>
           </a:prstGeom>
         </p:spPr>
       </p:pic>
+      <p:sp>
+        <p:nvSpPr>
+          <p:cNvPr id="3" name="TextBox 2"/>
+          <p:cNvSpPr txBox="1"/>
+          <p:nvPr/>
+        </p:nvSpPr>
+        <p:spPr>
+          <a:xfrm>
+            <a:off x="9274629" y="4284617"/>
+            <a:ext cx="1110342" cy="369332"/>
+          </a:xfrm>
+          <a:prstGeom prst="rect">
+            <a:avLst/>
+          </a:prstGeom>
+          <a:noFill/>
+        </p:spPr>
+        <p:txBody>
+          <a:bodyPr wrap="square" rtlCol="0">
+            <a:spAutoFit/>
+          </a:bodyPr>
+          <a:lstStyle/>
+          <a:p>
+            <a:endParaRPr lang="en-US" dirty="0"/>
+          </a:p>
+        </p:txBody>
+      </p:sp>
+      <p:sp>
+        <p:nvSpPr>
+          <p:cNvPr id="5" name="TextBox 4"/>
+          <p:cNvSpPr txBox="1"/>
+          <p:nvPr/>
+        </p:nvSpPr>
+        <p:spPr>
+          <a:xfrm>
+            <a:off x="9183188" y="3265713"/>
+            <a:ext cx="2151145" cy="1754326"/>
+          </a:xfrm>
+          <a:prstGeom prst="rect">
+            <a:avLst/>
+          </a:prstGeom>
+          <a:noFill/>
+        </p:spPr>
+        <p:txBody>
+          <a:bodyPr wrap="square" rtlCol="0">
+            <a:spAutoFit/>
+          </a:bodyPr>
+          <a:lstStyle/>
+          <a:p>
+            <a:r>
+              <a:rPr lang="en-US" dirty="0" smtClean="0"/>
+              <a:t>Show </a:t>
+            </a:r>
+            <a:r>
+              <a:rPr lang="en-US" dirty="0"/>
+              <a:t>the number of images in the dataset for </a:t>
+            </a:r>
+            <a:r>
+              <a:rPr lang="en-US" dirty="0" smtClean="0"/>
+              <a:t>normal(0) </a:t>
+            </a:r>
+            <a:r>
+              <a:rPr lang="en-US" dirty="0"/>
+              <a:t>vs </a:t>
+            </a:r>
+            <a:r>
+              <a:rPr lang="en-US" dirty="0" smtClean="0"/>
+              <a:t>pneumonia(1), with pneumonia being the highest</a:t>
+            </a:r>
+            <a:endParaRPr lang="en-US" dirty="0"/>
+          </a:p>
+        </p:txBody>
+      </p:sp>
     </p:spTree>
     <p:extLst>
       <p:ext uri="{BB962C8B-B14F-4D97-AF65-F5344CB8AC3E}">
@@ -6762,76 +7013,71 @@
           <a:p>
             <a:r>
               <a:rPr lang="en-US" dirty="0"/>
-              <a:t>KEY INSIGHTS FROM DATA EXPLORATION</a:t>
-            </a:r>
-          </a:p>
-        </p:txBody>
-      </p:sp>
-      <p:sp>
-        <p:nvSpPr>
-          <p:cNvPr id="3" name="Content Placeholder 2"/>
-          <p:cNvSpPr>
-            <a:spLocks noGrp="1"/>
-          </p:cNvSpPr>
+              <a:t>BAR GRAPH DISPLAYING  </a:t>
+            </a:r>
+            <a:r>
+              <a:rPr lang="en-US" dirty="0" smtClean="0"/>
+              <a:t>TEST </a:t>
+            </a:r>
+            <a:r>
+              <a:rPr lang="en-US" dirty="0"/>
+              <a:t>DATA CLASS DISTRIBUTION</a:t>
+            </a:r>
+          </a:p>
+        </p:txBody>
+      </p:sp>
+      <p:pic>
+        <p:nvPicPr>
+          <p:cNvPr id="4" name="Content Placeholder 3"/>
+          <p:cNvPicPr>
+            <a:picLocks noGrp="1" noChangeAspect="1"/>
+          </p:cNvPicPr>
           <p:nvPr>
             <p:ph idx="1"/>
           </p:nvPr>
-        </p:nvSpPr>
-        <p:spPr/>
-        <p:txBody>
-          <a:bodyPr/>
+        </p:nvPicPr>
+        <p:blipFill>
+          <a:blip r:embed="rId2"/>
+          <a:stretch>
+            <a:fillRect/>
+          </a:stretch>
+        </p:blipFill>
+        <p:spPr>
+          <a:xfrm>
+            <a:off x="767670" y="2011679"/>
+            <a:ext cx="8154261" cy="4807811"/>
+          </a:xfrm>
+          <a:prstGeom prst="rect">
+            <a:avLst/>
+          </a:prstGeom>
+        </p:spPr>
+      </p:pic>
+      <p:sp>
+        <p:nvSpPr>
+          <p:cNvPr id="5" name="TextBox 4"/>
+          <p:cNvSpPr txBox="1"/>
+          <p:nvPr/>
+        </p:nvSpPr>
+        <p:spPr>
+          <a:xfrm>
+            <a:off x="9535886" y="3082834"/>
+            <a:ext cx="2416628" cy="1754326"/>
+          </a:xfrm>
+          <a:prstGeom prst="rect">
+            <a:avLst/>
+          </a:prstGeom>
+          <a:noFill/>
+        </p:spPr>
+        <p:txBody>
+          <a:bodyPr wrap="square" rtlCol="0">
+            <a:spAutoFit/>
+          </a:bodyPr>
           <a:lstStyle/>
           <a:p>
             <a:r>
-              <a:rPr lang="en-US" sz="2400" b="1" dirty="0"/>
-              <a:t>Image Size:</a:t>
-            </a:r>
-            <a:r>
-              <a:rPr lang="en-US" sz="2400" dirty="0"/>
-              <a:t> Data points for normal and pneumonia cases are closely clustered.</a:t>
-            </a:r>
-          </a:p>
-          <a:p>
-            <a:r>
-              <a:rPr lang="en-US" sz="2400" b="1" dirty="0"/>
-              <a:t>Pixel Intensity:</a:t>
-            </a:r>
-            <a:r>
-              <a:rPr lang="en-US" sz="2400" dirty="0"/>
-              <a:t> Significant overlap with slightly broader distribution for pneumonia images.</a:t>
-            </a:r>
-          </a:p>
-          <a:p>
-            <a:r>
-              <a:rPr lang="en-US" sz="2400" b="1" dirty="0"/>
-              <a:t>Aspect Ratio:</a:t>
-            </a:r>
-            <a:r>
-              <a:rPr lang="en-US" sz="2400" dirty="0"/>
-              <a:t> Most images have an aspect ratio between 1.0 and 1.5.</a:t>
-            </a:r>
-          </a:p>
-          <a:p>
-            <a:r>
-              <a:rPr lang="en-US" sz="2400" b="1" dirty="0"/>
-              <a:t>Brightness:</a:t>
-            </a:r>
-            <a:r>
-              <a:rPr lang="en-US" sz="2400" dirty="0"/>
-              <a:t> Normal images are generally brighter on average.</a:t>
-            </a:r>
-          </a:p>
-          <a:p>
-            <a:r>
-              <a:rPr lang="en-US" sz="2400" b="1" dirty="0"/>
-              <a:t>Class Distribution:</a:t>
-            </a:r>
-            <a:r>
-              <a:rPr lang="en-US" sz="2400" dirty="0"/>
-              <a:t> Balanced class distribution in training data.</a:t>
-            </a:r>
-          </a:p>
-          <a:p>
+              <a:rPr lang="en-US" dirty="0"/>
+              <a:t>Show the number of images in the dataset for normal(0) vs pneumonia(1), with pneumonia being the highest</a:t>
+            </a:r>
             <a:endParaRPr lang="en-US" dirty="0"/>
           </a:p>
         </p:txBody>
@@ -6839,7 +7085,7 @@
     </p:spTree>
     <p:extLst>
       <p:ext uri="{BB962C8B-B14F-4D97-AF65-F5344CB8AC3E}">
-        <p14:creationId xmlns:p14="http://schemas.microsoft.com/office/powerpoint/2010/main" val="2415530584"/>
+        <p14:creationId xmlns:p14="http://schemas.microsoft.com/office/powerpoint/2010/main" val="4243212124"/>
       </p:ext>
     </p:extLst>
   </p:cSld>
@@ -6883,26 +7129,91 @@
           <a:p>
             <a:r>
               <a:rPr lang="en-US" dirty="0"/>
-              <a:t>Model evaluation</a:t>
-            </a:r>
-          </a:p>
-        </p:txBody>
-      </p:sp>
-      <p:sp>
-        <p:nvSpPr>
-          <p:cNvPr id="3" name="Content Placeholder 2"/>
-          <p:cNvSpPr>
-            <a:spLocks noGrp="1"/>
-          </p:cNvSpPr>
+              <a:t>BAR GRAPH DISPLAYING </a:t>
+            </a:r>
+            <a:r>
+              <a:rPr lang="en-US" dirty="0" smtClean="0"/>
+              <a:t>VALIDATION DATA </a:t>
+            </a:r>
+            <a:r>
+              <a:rPr lang="en-US" dirty="0"/>
+              <a:t>CLASS DISTRIBUTION</a:t>
+            </a:r>
+          </a:p>
+        </p:txBody>
+      </p:sp>
+      <p:pic>
+        <p:nvPicPr>
+          <p:cNvPr id="4" name="Content Placeholder 3"/>
+          <p:cNvPicPr>
+            <a:picLocks noGrp="1" noChangeAspect="1"/>
+          </p:cNvPicPr>
           <p:nvPr>
             <p:ph idx="1"/>
           </p:nvPr>
-        </p:nvSpPr>
-        <p:spPr/>
-        <p:txBody>
-          <a:bodyPr/>
+        </p:nvPicPr>
+        <p:blipFill>
+          <a:blip r:embed="rId2"/>
+          <a:stretch>
+            <a:fillRect/>
+          </a:stretch>
+        </p:blipFill>
+        <p:spPr>
+          <a:xfrm>
+            <a:off x="476689" y="2037533"/>
+            <a:ext cx="8379928" cy="4515265"/>
+          </a:xfrm>
+          <a:prstGeom prst="rect">
+            <a:avLst/>
+          </a:prstGeom>
+        </p:spPr>
+      </p:pic>
+      <p:sp>
+        <p:nvSpPr>
+          <p:cNvPr id="5" name="TextBox 4"/>
+          <p:cNvSpPr txBox="1"/>
+          <p:nvPr/>
+        </p:nvSpPr>
+        <p:spPr>
+          <a:xfrm>
+            <a:off x="9248502" y="3185217"/>
+            <a:ext cx="2508069" cy="1754326"/>
+          </a:xfrm>
+          <a:prstGeom prst="rect">
+            <a:avLst/>
+          </a:prstGeom>
+          <a:noFill/>
+        </p:spPr>
+        <p:txBody>
+          <a:bodyPr wrap="square" rtlCol="0">
+            <a:spAutoFit/>
+          </a:bodyPr>
           <a:lstStyle/>
           <a:p>
+            <a:r>
+              <a:rPr lang="en-US" dirty="0"/>
+              <a:t>Show the number of images in the </a:t>
+            </a:r>
+            <a:r>
+              <a:rPr lang="en-US" dirty="0" smtClean="0"/>
+              <a:t>dataset </a:t>
+            </a:r>
+            <a:r>
+              <a:rPr lang="en-US" dirty="0"/>
+              <a:t>for normal(0) vs pneumonia(1), with </a:t>
+            </a:r>
+            <a:r>
+              <a:rPr lang="en-US" dirty="0" smtClean="0"/>
+              <a:t>pneumonia and normal </a:t>
+            </a:r>
+            <a:r>
+              <a:rPr lang="en-US" dirty="0"/>
+              <a:t>being </a:t>
+            </a:r>
+            <a:r>
+              <a:rPr lang="en-US" dirty="0" smtClean="0"/>
+              <a:t>equal</a:t>
+            </a:r>
             <a:endParaRPr lang="en-US" dirty="0"/>
           </a:p>
         </p:txBody>
@@ -6910,7 +7221,7 @@
     </p:spTree>
     <p:extLst>
       <p:ext uri="{BB962C8B-B14F-4D97-AF65-F5344CB8AC3E}">
-        <p14:creationId xmlns:p14="http://schemas.microsoft.com/office/powerpoint/2010/main" val="689190811"/>
+        <p14:creationId xmlns:p14="http://schemas.microsoft.com/office/powerpoint/2010/main" val="2515613005"/>
       </p:ext>
     </p:extLst>
   </p:cSld>
@@ -6954,6 +7265,77 @@
           <a:p>
             <a:r>
               <a:rPr lang="en-US" dirty="0"/>
+              <a:t>Model evaluation</a:t>
+            </a:r>
+          </a:p>
+        </p:txBody>
+      </p:sp>
+      <p:sp>
+        <p:nvSpPr>
+          <p:cNvPr id="3" name="Content Placeholder 2"/>
+          <p:cNvSpPr>
+            <a:spLocks noGrp="1"/>
+          </p:cNvSpPr>
+          <p:nvPr>
+            <p:ph idx="1"/>
+          </p:nvPr>
+        </p:nvSpPr>
+        <p:spPr/>
+        <p:txBody>
+          <a:bodyPr/>
+          <a:lstStyle/>
+          <a:p>
+            <a:endParaRPr lang="en-US" dirty="0"/>
+          </a:p>
+        </p:txBody>
+      </p:sp>
+    </p:spTree>
+    <p:extLst>
+      <p:ext uri="{BB962C8B-B14F-4D97-AF65-F5344CB8AC3E}">
+        <p14:creationId xmlns:p14="http://schemas.microsoft.com/office/powerpoint/2010/main" val="689190811"/>
+      </p:ext>
+    </p:extLst>
+  </p:cSld>
+  <p:clrMapOvr>
+    <a:masterClrMapping/>
+  </p:clrMapOvr>
+</p:sld>
+</file>
+
+<file path=ppt/slides/slide18.xml><?xml version="1.0" encoding="utf-8"?>
+<p:sld xmlns:a="http://schemas.openxmlformats.org/drawingml/2006/main" xmlns:r="http://schemas.openxmlformats.org/officeDocument/2006/relationships" xmlns:p="http://schemas.openxmlformats.org/presentationml/2006/main">
+  <p:cSld>
+    <p:spTree>
+      <p:nvGrpSpPr>
+        <p:cNvPr id="1" name=""/>
+        <p:cNvGrpSpPr/>
+        <p:nvPr/>
+      </p:nvGrpSpPr>
+      <p:grpSpPr>
+        <a:xfrm>
+          <a:off x="0" y="0"/>
+          <a:ext cx="0" cy="0"/>
+          <a:chOff x="0" y="0"/>
+          <a:chExt cx="0" cy="0"/>
+        </a:xfrm>
+      </p:grpSpPr>
+      <p:sp>
+        <p:nvSpPr>
+          <p:cNvPr id="2" name="Title 1"/>
+          <p:cNvSpPr>
+            <a:spLocks noGrp="1"/>
+          </p:cNvSpPr>
+          <p:nvPr>
+            <p:ph type="title"/>
+          </p:nvPr>
+        </p:nvSpPr>
+        <p:spPr/>
+        <p:txBody>
+          <a:bodyPr/>
+          <a:lstStyle/>
+          <a:p>
+            <a:r>
+              <a:rPr lang="en-US" dirty="0"/>
               <a:t>CONCLUSION</a:t>
             </a:r>
           </a:p>
@@ -6991,7 +7373,7 @@
 </p:sld>
 </file>
 
-<file path=ppt/slides/slide18.xml><?xml version="1.0" encoding="utf-8"?>
+<file path=ppt/slides/slide19.xml><?xml version="1.0" encoding="utf-8"?>
 <p:sld xmlns:a="http://schemas.openxmlformats.org/drawingml/2006/main" xmlns:r="http://schemas.openxmlformats.org/officeDocument/2006/relationships" xmlns:p="http://schemas.openxmlformats.org/presentationml/2006/main">
   <p:cSld>
     <p:spTree>
@@ -7352,9 +7734,10 @@
           <a:lstStyle/>
           <a:p>
             <a:r>
-              <a:rPr lang="en-US" sz="5400" dirty="0"/>
-              <a:t>PROJECT GOALS</a:t>
-            </a:r>
+              <a:rPr lang="en-US" sz="5400" dirty="0" smtClean="0"/>
+              <a:t>objectives</a:t>
+            </a:r>
+            <a:endParaRPr lang="en-US" sz="5400" dirty="0"/>
           </a:p>
         </p:txBody>
       </p:sp>
@@ -7766,99 +8149,77 @@
         </p:nvSpPr>
         <p:spPr/>
         <p:txBody>
-          <a:bodyPr/>
-          <a:lstStyle/>
-          <a:p>
-            <a:r>
-              <a:rPr lang="en-US" dirty="0"/>
-              <a:t>SAMPLE DATA VISUALIZATIONS FROM EXPLORATORY DATA ANALYSIS</a:t>
-            </a:r>
-          </a:p>
-        </p:txBody>
-      </p:sp>
-      <p:sp>
-        <p:nvSpPr>
-          <p:cNvPr id="3" name="Content Placeholder 2"/>
-          <p:cNvSpPr>
-            <a:spLocks noGrp="1"/>
-          </p:cNvSpPr>
-          <p:nvPr>
-            <p:ph idx="1"/>
-          </p:nvPr>
-        </p:nvSpPr>
-        <p:spPr>
-          <a:xfrm>
-            <a:off x="483326" y="1946366"/>
-            <a:ext cx="11260183" cy="4911634"/>
-          </a:xfrm>
-        </p:spPr>
-        <p:txBody>
           <a:bodyPr>
             <a:normAutofit/>
           </a:bodyPr>
           <a:lstStyle/>
           <a:p>
             <a:r>
-              <a:rPr lang="en-US" sz="1900" b="1" dirty="0"/>
-              <a:t>Sample images from each class: </a:t>
-            </a:r>
-            <a:r>
-              <a:rPr lang="en-US" sz="1900" dirty="0"/>
-              <a:t>provides a visual understanding of the types of images in the dataset, distinguishing between normal and pneumonia cases.</a:t>
-            </a:r>
-          </a:p>
-          <a:p>
-            <a:r>
-              <a:rPr lang="en-US" sz="1900" b="1" dirty="0"/>
-              <a:t>Image Size Distribution: </a:t>
-            </a:r>
-            <a:r>
-              <a:rPr lang="en-US" sz="1900" dirty="0"/>
-              <a:t>shows the variation in dimensions of the x-ray images, which was important for preprocessing steps</a:t>
-            </a:r>
-          </a:p>
-          <a:p>
-            <a:r>
-              <a:rPr lang="en-US" sz="1900" b="1" dirty="0"/>
-              <a:t>Image Intensity Distribution Plot: </a:t>
-            </a:r>
-            <a:r>
-              <a:rPr lang="en-US" sz="1900" dirty="0"/>
-              <a:t>gives insight into the brightness and contrast of the images, which affects image quality and feature extraction in the deep learning models</a:t>
-            </a:r>
-          </a:p>
-          <a:p>
-            <a:r>
-              <a:rPr lang="en-US" sz="1900" b="1" dirty="0"/>
-              <a:t>Image Aspect Ratio Distribution Histogram:  </a:t>
-            </a:r>
-            <a:r>
-              <a:rPr lang="en-US" sz="1900" dirty="0"/>
-              <a:t>for understanding the shape and proportion of the images, which  influences how images are resized and fed into neural networks.</a:t>
-            </a:r>
-          </a:p>
-          <a:p>
-            <a:r>
-              <a:rPr lang="en-US" sz="1900" b="1" dirty="0"/>
-              <a:t>Image Brightness Distribution Plot: </a:t>
-            </a:r>
-            <a:r>
-              <a:rPr lang="en-US" sz="1900" dirty="0"/>
-              <a:t>highlights the range and mean brightness levels, which can impact image normalization and model performance.</a:t>
-            </a:r>
-          </a:p>
-          <a:p>
-            <a:r>
-              <a:rPr lang="en-US" sz="1900" b="1" dirty="0"/>
-              <a:t>Training Data Class Distribution Bar Chart</a:t>
-            </a:r>
-            <a:r>
-              <a:rPr lang="en-US" sz="1900" dirty="0"/>
-              <a:t>: show the number of images in the dataset for normal vs pneumonia, which is crucial for understanding if there is class imbalance that might affect model training and evaluation</a:t>
-            </a:r>
-            <a:r>
-              <a:rPr lang="en-US" dirty="0"/>
-              <a:t>.</a:t>
+              <a:rPr lang="en-US" sz="4400" dirty="0" smtClean="0"/>
+              <a:t>Metric of success</a:t>
+            </a:r>
+            <a:endParaRPr lang="en-US" sz="4400" dirty="0"/>
+          </a:p>
+        </p:txBody>
+      </p:sp>
+      <p:sp>
+        <p:nvSpPr>
+          <p:cNvPr id="3" name="Content Placeholder 2"/>
+          <p:cNvSpPr>
+            <a:spLocks noGrp="1"/>
+          </p:cNvSpPr>
+          <p:nvPr>
+            <p:ph idx="1"/>
+          </p:nvPr>
+        </p:nvSpPr>
+        <p:spPr>
+          <a:xfrm>
+            <a:off x="470263" y="2037806"/>
+            <a:ext cx="11273246" cy="4637313"/>
+          </a:xfrm>
+        </p:spPr>
+        <p:txBody>
+          <a:bodyPr>
+            <a:normAutofit/>
+          </a:bodyPr>
+          <a:lstStyle/>
+          <a:p>
+            <a:pPr marL="0" indent="0">
+              <a:buNone/>
+            </a:pPr>
+            <a:r>
+              <a:rPr lang="en-US" sz="2200" dirty="0"/>
+              <a:t>The performance of the models will be evaluated using the following metrics:</a:t>
+            </a:r>
+          </a:p>
+          <a:p>
+            <a:r>
+              <a:rPr lang="en-US" sz="2200" dirty="0" smtClean="0"/>
+              <a:t>Loss</a:t>
+            </a:r>
+            <a:r>
+              <a:rPr lang="en-US" sz="2200" dirty="0"/>
+              <a:t>: This metric measures the error between the predicted values and the actual values. Lower loss indicates a better fitting model. We will use the test loss to evaluate the model's ability to generalize to new data.</a:t>
+            </a:r>
+          </a:p>
+          <a:p>
+            <a:r>
+              <a:rPr lang="en-US" sz="2200" dirty="0" smtClean="0"/>
+              <a:t>Accuracy</a:t>
+            </a:r>
+            <a:r>
+              <a:rPr lang="en-US" sz="2200" dirty="0"/>
+              <a:t>: This metric indicates the proportion of correctly classified instances out of the total instances. Higher accuracy indicates better model performance in terms of classification correctness.</a:t>
+            </a:r>
+          </a:p>
+          <a:p>
+            <a:r>
+              <a:rPr lang="en-US" sz="2200" dirty="0" smtClean="0"/>
+              <a:t>Precision</a:t>
+            </a:r>
+            <a:r>
+              <a:rPr lang="en-US" sz="2200" dirty="0"/>
+              <a:t>: This metric measures the accuracy of the positive predictions. It is the ratio of true positive predictions to the total positive predictions. Higher precision indicates that the model has a lower false positive rate.</a:t>
             </a:r>
           </a:p>
           <a:p>
@@ -7869,7 +8230,7 @@
     </p:spTree>
     <p:extLst>
       <p:ext uri="{BB962C8B-B14F-4D97-AF65-F5344CB8AC3E}">
-        <p14:creationId xmlns:p14="http://schemas.microsoft.com/office/powerpoint/2010/main" val="3811382421"/>
+        <p14:creationId xmlns:p14="http://schemas.microsoft.com/office/powerpoint/2010/main" val="1797143275"/>
       </p:ext>
     </p:extLst>
   </p:cSld>

--- a/IMAGE CLASSIFICATION OF X-RAY IMAGES FOR PNEUMONIA DETECTION.pptx
+++ b/IMAGE CLASSIFICATION OF X-RAY IMAGES FOR PNEUMONIA DETECTION.pptx
@@ -24,6 +24,7 @@
     <p:sldId id="273" r:id="rId18"/>
     <p:sldId id="265" r:id="rId19"/>
     <p:sldId id="266" r:id="rId20"/>
+    <p:sldId id="278" r:id="rId21"/>
   </p:sldIdLst>
   <p:sldSz cx="12192000" cy="6858000"/>
   <p:notesSz cx="6858000" cy="9144000"/>
@@ -1025,13 +1026,6 @@
         </dgm:presLayoutVars>
       </dgm:prSet>
       <dgm:spPr/>
-      <dgm:t>
-        <a:bodyPr/>
-        <a:lstStyle/>
-        <a:p>
-          <a:endParaRPr lang="en-US"/>
-        </a:p>
-      </dgm:t>
     </dgm:pt>
     <dgm:pt modelId="{D726A96B-B68E-4DF2-B863-EF6610B215A6}" type="pres">
       <dgm:prSet presAssocID="{54E66805-61AC-44C0-B280-4C2FD19890F5}" presName="node" presStyleLbl="node1" presStyleIdx="0" presStyleCnt="3" custScaleX="38465" custScaleY="35138" custLinFactNeighborX="-326" custLinFactNeighborY="-40232">
@@ -1040,13 +1034,6 @@
         </dgm:presLayoutVars>
       </dgm:prSet>
       <dgm:spPr/>
-      <dgm:t>
-        <a:bodyPr/>
-        <a:lstStyle/>
-        <a:p>
-          <a:endParaRPr lang="en-US"/>
-        </a:p>
-      </dgm:t>
     </dgm:pt>
     <dgm:pt modelId="{7392720D-09FF-4A4E-A84D-D93A12D7C13C}" type="pres">
       <dgm:prSet presAssocID="{0E422DC3-D7E2-417E-9FD1-7B99A34B6CFD}" presName="sibTrans" presStyleCnt="0"/>
@@ -1059,13 +1046,6 @@
         </dgm:presLayoutVars>
       </dgm:prSet>
       <dgm:spPr/>
-      <dgm:t>
-        <a:bodyPr/>
-        <a:lstStyle/>
-        <a:p>
-          <a:endParaRPr lang="en-US"/>
-        </a:p>
-      </dgm:t>
     </dgm:pt>
     <dgm:pt modelId="{63AB3669-A12C-4DA1-962F-BFB798424225}" type="pres">
       <dgm:prSet presAssocID="{8344BEC4-C1B4-414E-9511-42379CF1F6D1}" presName="sibTrans" presStyleCnt="0"/>
@@ -1078,23 +1058,16 @@
         </dgm:presLayoutVars>
       </dgm:prSet>
       <dgm:spPr/>
-      <dgm:t>
-        <a:bodyPr/>
-        <a:lstStyle/>
-        <a:p>
-          <a:endParaRPr lang="en-US"/>
-        </a:p>
-      </dgm:t>
     </dgm:pt>
   </dgm:ptLst>
   <dgm:cxnLst>
-    <dgm:cxn modelId="{E3282A46-067E-43FA-9024-1ADE4014E81D}" srcId="{4CDF9A6F-D8A3-47CA-9FF0-B5D8183ED353}" destId="{167DD0CC-BB6E-423C-8FAE-5B77992F46D0}" srcOrd="1" destOrd="0" parTransId="{B35323D7-59BF-4DA4-A8F7-2FF7DF3C761C}" sibTransId="{8344BEC4-C1B4-414E-9511-42379CF1F6D1}"/>
     <dgm:cxn modelId="{048B9205-81F3-4352-ADAB-235218102AF9}" type="presOf" srcId="{4CDF9A6F-D8A3-47CA-9FF0-B5D8183ED353}" destId="{ED6AC645-4140-4B50-B2B0-58F063BE59AE}" srcOrd="0" destOrd="0" presId="urn:microsoft.com/office/officeart/2005/8/layout/default"/>
     <dgm:cxn modelId="{A725435B-AB75-45DB-B421-C68A8E8BCB1F}" srcId="{4CDF9A6F-D8A3-47CA-9FF0-B5D8183ED353}" destId="{54E66805-61AC-44C0-B280-4C2FD19890F5}" srcOrd="0" destOrd="0" parTransId="{5F8E19A9-34E2-451F-B2B8-4843E2F2AFB4}" sibTransId="{0E422DC3-D7E2-417E-9FD1-7B99A34B6CFD}"/>
+    <dgm:cxn modelId="{E3282A46-067E-43FA-9024-1ADE4014E81D}" srcId="{4CDF9A6F-D8A3-47CA-9FF0-B5D8183ED353}" destId="{167DD0CC-BB6E-423C-8FAE-5B77992F46D0}" srcOrd="1" destOrd="0" parTransId="{B35323D7-59BF-4DA4-A8F7-2FF7DF3C761C}" sibTransId="{8344BEC4-C1B4-414E-9511-42379CF1F6D1}"/>
+    <dgm:cxn modelId="{58801567-28EA-4824-83FD-A756CB6C2619}" type="presOf" srcId="{6C8B00A9-FB02-4104-8FDF-B623BF61BE84}" destId="{28A26AEA-099F-47C3-BA26-126D4CF1B80C}" srcOrd="0" destOrd="0" presId="urn:microsoft.com/office/officeart/2005/8/layout/default"/>
     <dgm:cxn modelId="{380B507F-76A7-40F7-9E74-EE78F07CFE3A}" srcId="{4CDF9A6F-D8A3-47CA-9FF0-B5D8183ED353}" destId="{6C8B00A9-FB02-4104-8FDF-B623BF61BE84}" srcOrd="2" destOrd="0" parTransId="{E917312B-3985-40D9-A068-8C7DE95750E4}" sibTransId="{5591B20B-DB1F-447A-92F4-EF9850AB41F2}"/>
     <dgm:cxn modelId="{F80011C1-3E6E-4EE9-B905-FC98B44C56BA}" type="presOf" srcId="{54E66805-61AC-44C0-B280-4C2FD19890F5}" destId="{D726A96B-B68E-4DF2-B863-EF6610B215A6}" srcOrd="0" destOrd="0" presId="urn:microsoft.com/office/officeart/2005/8/layout/default"/>
     <dgm:cxn modelId="{CAC2F5FA-C886-48A2-87D1-FA7661ADF578}" type="presOf" srcId="{167DD0CC-BB6E-423C-8FAE-5B77992F46D0}" destId="{34B36197-35D3-48CC-B814-C3E89FEC541F}" srcOrd="0" destOrd="0" presId="urn:microsoft.com/office/officeart/2005/8/layout/default"/>
-    <dgm:cxn modelId="{58801567-28EA-4824-83FD-A756CB6C2619}" type="presOf" srcId="{6C8B00A9-FB02-4104-8FDF-B623BF61BE84}" destId="{28A26AEA-099F-47C3-BA26-126D4CF1B80C}" srcOrd="0" destOrd="0" presId="urn:microsoft.com/office/officeart/2005/8/layout/default"/>
     <dgm:cxn modelId="{64B3B539-5B68-4439-9D41-1BF5BE20CBF5}" type="presParOf" srcId="{ED6AC645-4140-4B50-B2B0-58F063BE59AE}" destId="{D726A96B-B68E-4DF2-B863-EF6610B215A6}" srcOrd="0" destOrd="0" presId="urn:microsoft.com/office/officeart/2005/8/layout/default"/>
     <dgm:cxn modelId="{6EA2CEAA-5939-4B8C-8050-605029752850}" type="presParOf" srcId="{ED6AC645-4140-4B50-B2B0-58F063BE59AE}" destId="{7392720D-09FF-4A4E-A84D-D93A12D7C13C}" srcOrd="1" destOrd="0" presId="urn:microsoft.com/office/officeart/2005/8/layout/default"/>
     <dgm:cxn modelId="{01CEAD2B-5FF3-40AE-AFE9-1DF6ABAC0A8C}" type="presParOf" srcId="{ED6AC645-4140-4B50-B2B0-58F063BE59AE}" destId="{34B36197-35D3-48CC-B814-C3E89FEC541F}" srcOrd="2" destOrd="0" presId="urn:microsoft.com/office/officeart/2005/8/layout/default"/>
@@ -1173,7 +1146,7 @@
         </a:bodyPr>
         <a:lstStyle/>
         <a:p>
-          <a:pPr lvl="0" algn="ctr" defTabSz="1289050">
+          <a:pPr marL="0" lvl="0" indent="0" algn="ctr" defTabSz="1289050">
             <a:lnSpc>
               <a:spcPct val="90000"/>
             </a:lnSpc>
@@ -1183,6 +1156,7 @@
             <a:spcAft>
               <a:spcPct val="35000"/>
             </a:spcAft>
+            <a:buNone/>
           </a:pPr>
           <a:r>
             <a:rPr lang="en-US" sz="2900" kern="1200" dirty="0"/>
@@ -1190,7 +1164,7 @@
           </a:r>
         </a:p>
         <a:p>
-          <a:pPr lvl="0" algn="ctr" defTabSz="1289050">
+          <a:pPr marL="0" lvl="0" indent="0" algn="ctr" defTabSz="1289050">
             <a:lnSpc>
               <a:spcPct val="90000"/>
             </a:lnSpc>
@@ -1200,6 +1174,7 @@
             <a:spcAft>
               <a:spcPct val="35000"/>
             </a:spcAft>
+            <a:buNone/>
           </a:pPr>
           <a:r>
             <a:rPr lang="en-US" sz="2900" kern="1200" dirty="0"/>
@@ -1266,7 +1241,7 @@
         </a:bodyPr>
         <a:lstStyle/>
         <a:p>
-          <a:pPr lvl="0" algn="ctr" defTabSz="1289050">
+          <a:pPr marL="0" lvl="0" indent="0" algn="ctr" defTabSz="1289050">
             <a:lnSpc>
               <a:spcPct val="90000"/>
             </a:lnSpc>
@@ -1276,6 +1251,7 @@
             <a:spcAft>
               <a:spcPct val="35000"/>
             </a:spcAft>
+            <a:buNone/>
           </a:pPr>
           <a:r>
             <a:rPr lang="en-US" sz="2900" kern="1200" dirty="0"/>
@@ -1283,7 +1259,7 @@
           </a:r>
         </a:p>
         <a:p>
-          <a:pPr lvl="0" algn="ctr" defTabSz="1289050">
+          <a:pPr marL="0" lvl="0" indent="0" algn="ctr" defTabSz="1289050">
             <a:lnSpc>
               <a:spcPct val="90000"/>
             </a:lnSpc>
@@ -1293,6 +1269,7 @@
             <a:spcAft>
               <a:spcPct val="35000"/>
             </a:spcAft>
+            <a:buNone/>
           </a:pPr>
           <a:r>
             <a:rPr lang="en-US" sz="2900" kern="1200" dirty="0"/>
@@ -1359,7 +1336,7 @@
         </a:bodyPr>
         <a:lstStyle/>
         <a:p>
-          <a:pPr lvl="0" algn="ctr" defTabSz="1289050">
+          <a:pPr marL="0" lvl="0" indent="0" algn="ctr" defTabSz="1289050">
             <a:lnSpc>
               <a:spcPct val="90000"/>
             </a:lnSpc>
@@ -1369,6 +1346,7 @@
             <a:spcAft>
               <a:spcPct val="35000"/>
             </a:spcAft>
+            <a:buNone/>
           </a:pPr>
           <a:r>
             <a:rPr lang="en-US" sz="2900" kern="1200" dirty="0"/>
@@ -1376,7 +1354,7 @@
           </a:r>
         </a:p>
         <a:p>
-          <a:pPr lvl="0" algn="ctr" defTabSz="1289050">
+          <a:pPr marL="0" lvl="0" indent="0" algn="ctr" defTabSz="1289050">
             <a:lnSpc>
               <a:spcPct val="90000"/>
             </a:lnSpc>
@@ -1386,6 +1364,7 @@
             <a:spcAft>
               <a:spcPct val="35000"/>
             </a:spcAft>
+            <a:buNone/>
           </a:pPr>
           <a:r>
             <a:rPr lang="en-US" sz="2900" kern="1200" dirty="0"/>
@@ -2829,7 +2808,7 @@
             <a:fld id="{B61BEF0D-F0BB-DE4B-95CE-6DB70DBA9567}" type="datetimeFigureOut">
               <a:rPr lang="en-US" dirty="0"/>
               <a:pPr/>
-              <a:t>7/1/2024</a:t>
+              <a:t>7/2/2024</a:t>
             </a:fld>
             <a:endParaRPr lang="en-US" dirty="0"/>
           </a:p>
@@ -3088,7 +3067,7 @@
             <a:fld id="{B61BEF0D-F0BB-DE4B-95CE-6DB70DBA9567}" type="datetimeFigureOut">
               <a:rPr lang="en-US" dirty="0"/>
               <a:pPr/>
-              <a:t>7/1/2024</a:t>
+              <a:t>7/2/2024</a:t>
             </a:fld>
             <a:endParaRPr lang="en-US" dirty="0"/>
           </a:p>
@@ -3320,7 +3299,7 @@
             <a:fld id="{B61BEF0D-F0BB-DE4B-95CE-6DB70DBA9567}" type="datetimeFigureOut">
               <a:rPr lang="en-US" dirty="0"/>
               <a:pPr/>
-              <a:t>7/1/2024</a:t>
+              <a:t>7/2/2024</a:t>
             </a:fld>
             <a:endParaRPr lang="en-US" dirty="0"/>
           </a:p>
@@ -3557,7 +3536,7 @@
             <a:fld id="{B61BEF0D-F0BB-DE4B-95CE-6DB70DBA9567}" type="datetimeFigureOut">
               <a:rPr lang="en-US" dirty="0"/>
               <a:pPr/>
-              <a:t>7/1/2024</a:t>
+              <a:t>7/2/2024</a:t>
             </a:fld>
             <a:endParaRPr lang="en-US" dirty="0"/>
           </a:p>
@@ -3861,7 +3840,7 @@
             <a:fld id="{B61BEF0D-F0BB-DE4B-95CE-6DB70DBA9567}" type="datetimeFigureOut">
               <a:rPr lang="en-US" dirty="0"/>
               <a:pPr/>
-              <a:t>7/1/2024</a:t>
+              <a:t>7/2/2024</a:t>
             </a:fld>
             <a:endParaRPr lang="en-US" dirty="0"/>
           </a:p>
@@ -4160,7 +4139,7 @@
             <a:fld id="{B61BEF0D-F0BB-DE4B-95CE-6DB70DBA9567}" type="datetimeFigureOut">
               <a:rPr lang="en-US" dirty="0"/>
               <a:pPr/>
-              <a:t>7/1/2024</a:t>
+              <a:t>7/2/2024</a:t>
             </a:fld>
             <a:endParaRPr lang="en-US" dirty="0"/>
           </a:p>
@@ -4579,7 +4558,7 @@
             <a:fld id="{B61BEF0D-F0BB-DE4B-95CE-6DB70DBA9567}" type="datetimeFigureOut">
               <a:rPr lang="en-US" dirty="0"/>
               <a:pPr/>
-              <a:t>7/1/2024</a:t>
+              <a:t>7/2/2024</a:t>
             </a:fld>
             <a:endParaRPr lang="en-US" dirty="0"/>
           </a:p>
@@ -4738,7 +4717,7 @@
             <a:fld id="{B61BEF0D-F0BB-DE4B-95CE-6DB70DBA9567}" type="datetimeFigureOut">
               <a:rPr lang="en-US" dirty="0"/>
               <a:pPr/>
-              <a:t>7/1/2024</a:t>
+              <a:t>7/2/2024</a:t>
             </a:fld>
             <a:endParaRPr lang="en-US" dirty="0"/>
           </a:p>
@@ -4830,7 +4809,7 @@
             <a:fld id="{B61BEF0D-F0BB-DE4B-95CE-6DB70DBA9567}" type="datetimeFigureOut">
               <a:rPr lang="en-US" dirty="0"/>
               <a:pPr/>
-              <a:t>7/1/2024</a:t>
+              <a:t>7/2/2024</a:t>
             </a:fld>
             <a:endParaRPr lang="en-US" dirty="0"/>
           </a:p>
@@ -5205,7 +5184,7 @@
             <a:fld id="{B61BEF0D-F0BB-DE4B-95CE-6DB70DBA9567}" type="datetimeFigureOut">
               <a:rPr lang="en-US" dirty="0"/>
               <a:pPr/>
-              <a:t>7/1/2024</a:t>
+              <a:t>7/2/2024</a:t>
             </a:fld>
             <a:endParaRPr lang="en-US" dirty="0"/>
           </a:p>
@@ -5490,7 +5469,7 @@
             <a:fld id="{B61BEF0D-F0BB-DE4B-95CE-6DB70DBA9567}" type="datetimeFigureOut">
               <a:rPr lang="en-US" dirty="0"/>
               <a:pPr/>
-              <a:t>7/1/2024</a:t>
+              <a:t>7/2/2024</a:t>
             </a:fld>
             <a:endParaRPr lang="en-US" dirty="0"/>
           </a:p>
@@ -5698,7 +5677,7 @@
             <a:fld id="{B61BEF0D-F0BB-DE4B-95CE-6DB70DBA9567}" type="datetimeFigureOut">
               <a:rPr lang="en-US" dirty="0"/>
               <a:pPr/>
-              <a:t>7/1/2024</a:t>
+              <a:t>7/2/2024</a:t>
             </a:fld>
             <a:endParaRPr lang="en-US" dirty="0"/>
           </a:p>
@@ -6450,15 +6429,7 @@
           <a:p>
             <a:r>
               <a:rPr lang="en-US" dirty="0"/>
-              <a:t>S</a:t>
-            </a:r>
-            <a:r>
-              <a:rPr lang="en-US" dirty="0" smtClean="0"/>
-              <a:t>hows </a:t>
-            </a:r>
-            <a:r>
-              <a:rPr lang="en-US" dirty="0"/>
-              <a:t>the variation in dimensions of the x-ray images, which was important for preprocessing steps</a:t>
+              <a:t>Shows the variation in dimensions of the x-ray images, which was important for preprocessing steps</a:t>
             </a:r>
           </a:p>
           <a:p>
@@ -6674,34 +6645,17 @@
           <a:lstStyle/>
           <a:p>
             <a:r>
-              <a:rPr lang="en-US" dirty="0" smtClean="0"/>
-              <a:t>Shows the </a:t>
-            </a:r>
-            <a:r>
               <a:rPr lang="en-US" dirty="0"/>
-              <a:t>shape and proportion of the </a:t>
-            </a:r>
-            <a:r>
-              <a:rPr lang="en-US" dirty="0" smtClean="0"/>
-              <a:t>images.</a:t>
-            </a:r>
+              <a:t>Shows the shape and proportion of the images. </a:t>
+            </a:r>
+          </a:p>
+          <a:p>
+            <a:endParaRPr lang="en-US" dirty="0"/>
+          </a:p>
+          <a:p>
             <a:r>
               <a:rPr lang="en-US" dirty="0"/>
-              <a:t> </a:t>
-            </a:r>
-            <a:endParaRPr lang="en-US" dirty="0" smtClean="0"/>
-          </a:p>
-          <a:p>
-            <a:endParaRPr lang="en-US" dirty="0" smtClean="0"/>
-          </a:p>
-          <a:p>
-            <a:r>
-              <a:rPr lang="en-US" dirty="0" smtClean="0"/>
-              <a:t>The </a:t>
-            </a:r>
-            <a:r>
-              <a:rPr lang="en-US" dirty="0"/>
-              <a:t>aspect ratio distribution indicates that most images have an aspect ratio between 1.0 and 1.5, with a peak around 1.3.</a:t>
+              <a:t>The aspect ratio distribution indicates that most images have an aspect ratio between 1.0 and 1.5, with a peak around 1.3.</a:t>
             </a:r>
           </a:p>
           <a:p>
@@ -6943,26 +6897,9 @@
           <a:lstStyle/>
           <a:p>
             <a:r>
-              <a:rPr lang="en-US" dirty="0" smtClean="0"/>
-              <a:t>Show </a:t>
-            </a:r>
-            <a:r>
               <a:rPr lang="en-US" dirty="0"/>
-              <a:t>the number of images in the dataset for </a:t>
-            </a:r>
-            <a:r>
-              <a:rPr lang="en-US" dirty="0" smtClean="0"/>
-              <a:t>normal(0) </a:t>
-            </a:r>
-            <a:r>
-              <a:rPr lang="en-US" dirty="0"/>
-              <a:t>vs </a:t>
-            </a:r>
-            <a:r>
-              <a:rPr lang="en-US" dirty="0" smtClean="0"/>
-              <a:t>pneumonia(1), with pneumonia being the highest</a:t>
-            </a:r>
-            <a:endParaRPr lang="en-US" dirty="0"/>
+              <a:t>Show the number of images in the dataset for normal(0) vs pneumonia(1), with pneumonia being the highest</a:t>
+            </a:r>
           </a:p>
         </p:txBody>
       </p:sp>
@@ -7013,15 +6950,7 @@
           <a:p>
             <a:r>
               <a:rPr lang="en-US" dirty="0"/>
-              <a:t>BAR GRAPH DISPLAYING  </a:t>
-            </a:r>
-            <a:r>
-              <a:rPr lang="en-US" dirty="0" smtClean="0"/>
-              <a:t>TEST </a:t>
-            </a:r>
-            <a:r>
-              <a:rPr lang="en-US" dirty="0"/>
-              <a:t>DATA CLASS DISTRIBUTION</a:t>
+              <a:t>BAR GRAPH DISPLAYING  TEST DATA CLASS DISTRIBUTION</a:t>
             </a:r>
           </a:p>
         </p:txBody>
@@ -7078,7 +7007,6 @@
               <a:rPr lang="en-US" dirty="0"/>
               <a:t>Show the number of images in the dataset for normal(0) vs pneumonia(1), with pneumonia being the highest</a:t>
             </a:r>
-            <a:endParaRPr lang="en-US" dirty="0"/>
           </a:p>
         </p:txBody>
       </p:sp>
@@ -7129,15 +7057,7 @@
           <a:p>
             <a:r>
               <a:rPr lang="en-US" dirty="0"/>
-              <a:t>BAR GRAPH DISPLAYING </a:t>
-            </a:r>
-            <a:r>
-              <a:rPr lang="en-US" dirty="0" smtClean="0"/>
-              <a:t>VALIDATION DATA </a:t>
-            </a:r>
-            <a:r>
-              <a:rPr lang="en-US" dirty="0"/>
-              <a:t>CLASS DISTRIBUTION</a:t>
+              <a:t>BAR GRAPH DISPLAYING VALIDATION DATA CLASS DISTRIBUTION</a:t>
             </a:r>
           </a:p>
         </p:txBody>
@@ -7192,29 +7112,8 @@
           <a:p>
             <a:r>
               <a:rPr lang="en-US" dirty="0"/>
-              <a:t>Show the number of images in the </a:t>
-            </a:r>
-            <a:r>
-              <a:rPr lang="en-US" dirty="0" smtClean="0"/>
-              <a:t>dataset </a:t>
-            </a:r>
-            <a:r>
-              <a:rPr lang="en-US" dirty="0"/>
-              <a:t>for normal(0) vs pneumonia(1), with </a:t>
-            </a:r>
-            <a:r>
-              <a:rPr lang="en-US" dirty="0" smtClean="0"/>
-              <a:t>pneumonia and normal </a:t>
-            </a:r>
-            <a:r>
-              <a:rPr lang="en-US" dirty="0"/>
-              <a:t>being </a:t>
-            </a:r>
-            <a:r>
-              <a:rPr lang="en-US" dirty="0" smtClean="0"/>
-              <a:t>equal</a:t>
-            </a:r>
-            <a:endParaRPr lang="en-US" dirty="0"/>
+              <a:t>Show the number of images in the dataset for normal(0) vs pneumonia(1), with pneumonia and normal being equal</a:t>
+            </a:r>
           </a:p>
         </p:txBody>
       </p:sp>
@@ -7260,32 +7159,82 @@
         </p:nvSpPr>
         <p:spPr/>
         <p:txBody>
-          <a:bodyPr/>
+          <a:bodyPr>
+            <a:normAutofit/>
+          </a:bodyPr>
           <a:lstStyle/>
           <a:p>
             <a:r>
+              <a:rPr lang="en-US" sz="4000" dirty="0"/>
+              <a:t>Model evaluation</a:t>
+            </a:r>
+          </a:p>
+        </p:txBody>
+      </p:sp>
+      <p:pic>
+        <p:nvPicPr>
+          <p:cNvPr id="4" name="Content Placeholder 3">
+            <a:extLst>
+              <a:ext uri="{FF2B5EF4-FFF2-40B4-BE49-F238E27FC236}">
+                <a16:creationId xmlns:a16="http://schemas.microsoft.com/office/drawing/2014/main" id="{47615688-D0AD-CBDA-E31F-8AAE1114942F}"/>
+              </a:ext>
+            </a:extLst>
+          </p:cNvPr>
+          <p:cNvPicPr>
+            <a:picLocks noGrp="1" noChangeAspect="1"/>
+          </p:cNvPicPr>
+          <p:nvPr>
+            <p:ph idx="1"/>
+          </p:nvPr>
+        </p:nvPicPr>
+        <p:blipFill>
+          <a:blip r:embed="rId2"/>
+          <a:stretch>
+            <a:fillRect/>
+          </a:stretch>
+        </p:blipFill>
+        <p:spPr>
+          <a:xfrm>
+            <a:off x="225287" y="1974574"/>
+            <a:ext cx="8083825" cy="4537123"/>
+          </a:xfrm>
+          <a:prstGeom prst="rect">
+            <a:avLst/>
+          </a:prstGeom>
+        </p:spPr>
+      </p:pic>
+      <p:sp>
+        <p:nvSpPr>
+          <p:cNvPr id="5" name="TextBox 4">
+            <a:extLst>
+              <a:ext uri="{FF2B5EF4-FFF2-40B4-BE49-F238E27FC236}">
+                <a16:creationId xmlns:a16="http://schemas.microsoft.com/office/drawing/2014/main" id="{C515DD7E-8540-873C-4A4F-B57C4F45C49A}"/>
+              </a:ext>
+            </a:extLst>
+          </p:cNvPr>
+          <p:cNvSpPr txBox="1"/>
+          <p:nvPr/>
+        </p:nvSpPr>
+        <p:spPr>
+          <a:xfrm>
+            <a:off x="9197009" y="3087756"/>
+            <a:ext cx="2451652" cy="2308324"/>
+          </a:xfrm>
+          <a:prstGeom prst="rect">
+            <a:avLst/>
+          </a:prstGeom>
+          <a:noFill/>
+        </p:spPr>
+        <p:txBody>
+          <a:bodyPr wrap="square" rtlCol="0">
+            <a:spAutoFit/>
+          </a:bodyPr>
+          <a:lstStyle/>
+          <a:p>
+            <a:r>
               <a:rPr lang="en-US" dirty="0"/>
-              <a:t>Model evaluation</a:t>
-            </a:r>
-          </a:p>
-        </p:txBody>
-      </p:sp>
-      <p:sp>
-        <p:nvSpPr>
-          <p:cNvPr id="3" name="Content Placeholder 2"/>
-          <p:cNvSpPr>
-            <a:spLocks noGrp="1"/>
-          </p:cNvSpPr>
-          <p:nvPr>
-            <p:ph idx="1"/>
-          </p:nvPr>
-        </p:nvSpPr>
-        <p:spPr/>
-        <p:txBody>
-          <a:bodyPr/>
-          <a:lstStyle/>
-          <a:p>
-            <a:endParaRPr lang="en-US" dirty="0"/>
+              <a:t>The bar chart compares the performance of the models across training and validation metrics, showing that the Modified CNN model performed better since it had the least loss.</a:t>
+            </a:r>
           </a:p>
         </p:txBody>
       </p:sp>
@@ -7331,30 +7280,83 @@
         </p:nvSpPr>
         <p:spPr/>
         <p:txBody>
-          <a:bodyPr/>
+          <a:bodyPr>
+            <a:normAutofit/>
+          </a:bodyPr>
           <a:lstStyle/>
           <a:p>
             <a:r>
+              <a:rPr lang="en-US" sz="4000" dirty="0"/>
+              <a:t>Model evaluation</a:t>
+            </a:r>
+          </a:p>
+        </p:txBody>
+      </p:sp>
+      <p:pic>
+        <p:nvPicPr>
+          <p:cNvPr id="4" name="Content Placeholder 3">
+            <a:extLst>
+              <a:ext uri="{FF2B5EF4-FFF2-40B4-BE49-F238E27FC236}">
+                <a16:creationId xmlns:a16="http://schemas.microsoft.com/office/drawing/2014/main" id="{9CC3188E-F033-8E6F-1084-44032E2D71B8}"/>
+              </a:ext>
+            </a:extLst>
+          </p:cNvPr>
+          <p:cNvPicPr>
+            <a:picLocks noGrp="1" noChangeAspect="1"/>
+          </p:cNvPicPr>
+          <p:nvPr>
+            <p:ph idx="1"/>
+          </p:nvPr>
+        </p:nvPicPr>
+        <p:blipFill>
+          <a:blip r:embed="rId2"/>
+          <a:stretch>
+            <a:fillRect/>
+          </a:stretch>
+        </p:blipFill>
+        <p:spPr>
+          <a:xfrm>
+            <a:off x="251216" y="1991801"/>
+            <a:ext cx="8201657" cy="4621034"/>
+          </a:xfrm>
+          <a:prstGeom prst="rect">
+            <a:avLst/>
+          </a:prstGeom>
+        </p:spPr>
+      </p:pic>
+      <p:sp>
+        <p:nvSpPr>
+          <p:cNvPr id="6" name="TextBox 5">
+            <a:extLst>
+              <a:ext uri="{FF2B5EF4-FFF2-40B4-BE49-F238E27FC236}">
+                <a16:creationId xmlns:a16="http://schemas.microsoft.com/office/drawing/2014/main" id="{C0FD4227-EB5E-4025-CC41-C77D26EF2896}"/>
+              </a:ext>
+            </a:extLst>
+          </p:cNvPr>
+          <p:cNvSpPr txBox="1"/>
+          <p:nvPr/>
+        </p:nvSpPr>
+        <p:spPr>
+          <a:xfrm>
+            <a:off x="8892208" y="2915478"/>
+            <a:ext cx="2544417" cy="2862322"/>
+          </a:xfrm>
+          <a:prstGeom prst="rect">
+            <a:avLst/>
+          </a:prstGeom>
+          <a:noFill/>
+        </p:spPr>
+        <p:txBody>
+          <a:bodyPr wrap="square" rtlCol="0">
+            <a:spAutoFit/>
+          </a:bodyPr>
+          <a:lstStyle/>
+          <a:p>
+            <a:r>
               <a:rPr lang="en-US" dirty="0"/>
-              <a:t>CONCLUSION</a:t>
-            </a:r>
-          </a:p>
-        </p:txBody>
-      </p:sp>
-      <p:sp>
-        <p:nvSpPr>
-          <p:cNvPr id="3" name="Content Placeholder 2"/>
-          <p:cNvSpPr>
-            <a:spLocks noGrp="1"/>
-          </p:cNvSpPr>
-          <p:nvPr>
-            <p:ph idx="1"/>
-          </p:nvPr>
-        </p:nvSpPr>
-        <p:spPr/>
-        <p:txBody>
-          <a:bodyPr/>
-          <a:lstStyle/>
+              <a:t>The bar chart compares the performance of the models across training and validation metrics, showing that the Modified CNN model performed better since it had the best accuracy levels.</a:t>
+            </a:r>
+          </a:p>
           <a:p>
             <a:endParaRPr lang="en-US" dirty="0"/>
           </a:p>
@@ -7402,12 +7404,14 @@
         </p:nvSpPr>
         <p:spPr/>
         <p:txBody>
-          <a:bodyPr/>
+          <a:bodyPr>
+            <a:normAutofit/>
+          </a:bodyPr>
           <a:lstStyle/>
           <a:p>
             <a:r>
-              <a:rPr lang="en-US" dirty="0"/>
-              <a:t>RECOMMENDATIONS &amp; NEXT STEPS</a:t>
+              <a:rPr lang="en-US" sz="4000" dirty="0"/>
+              <a:t>RECOMMENDATIONS</a:t>
             </a:r>
           </a:p>
         </p:txBody>
@@ -7424,10 +7428,39 @@
         </p:nvSpPr>
         <p:spPr/>
         <p:txBody>
-          <a:bodyPr/>
+          <a:bodyPr>
+            <a:normAutofit/>
+          </a:bodyPr>
           <a:lstStyle/>
           <a:p>
-            <a:endParaRPr lang="en-US" dirty="0"/>
+            <a:r>
+              <a:rPr lang="en-US" sz="2400" dirty="0"/>
+              <a:t>Regularization: Prevent overfitting and enhance generalization.</a:t>
+            </a:r>
+          </a:p>
+          <a:p>
+            <a:r>
+              <a:rPr lang="en-US" sz="2400" dirty="0"/>
+              <a:t>Hyperparameter Tuning: Optimize model configurations for peak performance.</a:t>
+            </a:r>
+          </a:p>
+          <a:p>
+            <a:r>
+              <a:rPr lang="en-US" sz="2400" dirty="0"/>
+              <a:t>Ensemble Methods: Combine diverse models for improved accuracy and robustness.</a:t>
+            </a:r>
+          </a:p>
+          <a:p>
+            <a:r>
+              <a:rPr lang="en-US" sz="2400" dirty="0"/>
+              <a:t>Cross-Validation: Rigorously assess model performance across multiple data splits.</a:t>
+            </a:r>
+          </a:p>
+          <a:p>
+            <a:r>
+              <a:rPr lang="en-US" sz="2400" dirty="0"/>
+              <a:t>Data Augmentation: Expose models to diverse data to improve real-world capabilities.</a:t>
+            </a:r>
           </a:p>
         </p:txBody>
       </p:sp>
@@ -7523,6 +7556,119 @@
 </p:sld>
 </file>
 
+<file path=ppt/slides/slide20.xml><?xml version="1.0" encoding="utf-8"?>
+<p:sld xmlns:a="http://schemas.openxmlformats.org/drawingml/2006/main" xmlns:r="http://schemas.openxmlformats.org/officeDocument/2006/relationships" xmlns:p="http://schemas.openxmlformats.org/presentationml/2006/main">
+  <p:cSld>
+    <p:spTree>
+      <p:nvGrpSpPr>
+        <p:cNvPr id="1" name=""/>
+        <p:cNvGrpSpPr/>
+        <p:nvPr/>
+      </p:nvGrpSpPr>
+      <p:grpSpPr>
+        <a:xfrm>
+          <a:off x="0" y="0"/>
+          <a:ext cx="0" cy="0"/>
+          <a:chOff x="0" y="0"/>
+          <a:chExt cx="0" cy="0"/>
+        </a:xfrm>
+      </p:grpSpPr>
+      <p:sp>
+        <p:nvSpPr>
+          <p:cNvPr id="2" name="Title 1">
+            <a:extLst>
+              <a:ext uri="{FF2B5EF4-FFF2-40B4-BE49-F238E27FC236}">
+                <a16:creationId xmlns:a16="http://schemas.microsoft.com/office/drawing/2014/main" id="{C1267BFA-CA22-0AB6-B75B-C6A8A8ADB198}"/>
+              </a:ext>
+            </a:extLst>
+          </p:cNvPr>
+          <p:cNvSpPr>
+            <a:spLocks noGrp="1"/>
+          </p:cNvSpPr>
+          <p:nvPr>
+            <p:ph type="title"/>
+          </p:nvPr>
+        </p:nvSpPr>
+        <p:spPr/>
+        <p:txBody>
+          <a:bodyPr>
+            <a:normAutofit/>
+          </a:bodyPr>
+          <a:lstStyle/>
+          <a:p>
+            <a:r>
+              <a:rPr lang="en-US" sz="4800" dirty="0"/>
+              <a:t>NEXT STEPS</a:t>
+            </a:r>
+          </a:p>
+        </p:txBody>
+      </p:sp>
+      <p:sp>
+        <p:nvSpPr>
+          <p:cNvPr id="3" name="Content Placeholder 2">
+            <a:extLst>
+              <a:ext uri="{FF2B5EF4-FFF2-40B4-BE49-F238E27FC236}">
+                <a16:creationId xmlns:a16="http://schemas.microsoft.com/office/drawing/2014/main" id="{3D200811-03DF-98AB-2C9A-FA1AFE0FFF84}"/>
+              </a:ext>
+            </a:extLst>
+          </p:cNvPr>
+          <p:cNvSpPr>
+            <a:spLocks noGrp="1"/>
+          </p:cNvSpPr>
+          <p:nvPr>
+            <p:ph idx="1"/>
+          </p:nvPr>
+        </p:nvSpPr>
+        <p:spPr>
+          <a:xfrm>
+            <a:off x="318052" y="2027583"/>
+            <a:ext cx="11622157" cy="4651513"/>
+          </a:xfrm>
+        </p:spPr>
+        <p:txBody>
+          <a:bodyPr>
+            <a:normAutofit/>
+          </a:bodyPr>
+          <a:lstStyle/>
+          <a:p>
+            <a:r>
+              <a:rPr lang="en-US" sz="2400" dirty="0"/>
+              <a:t>Severity Assessment: Beyond identifying pneumonia's presence, the AI model can determine its severity (mild, moderate, severe), providing clinicians with crucial information for treatment decisions.</a:t>
+            </a:r>
+          </a:p>
+          <a:p>
+            <a:r>
+              <a:rPr lang="en-US" sz="2400" dirty="0"/>
+              <a:t>Pneumonia Type Identification: Differentiating between bacterial and viral pneumonia can guide appropriate treatment plans, as antibiotics are only effective for bacterial infections.</a:t>
+            </a:r>
+          </a:p>
+          <a:p>
+            <a:r>
+              <a:rPr lang="en-US" sz="2400" dirty="0"/>
+              <a:t>Precise Localization: The model can pinpoint the specific lung areas affected by pneumonia, aiding further investigation and targeted treatment.</a:t>
+            </a:r>
+          </a:p>
+          <a:p>
+            <a:r>
+              <a:rPr lang="en-US" sz="2400" dirty="0"/>
+              <a:t>Cloud Accessibility: Deploying the model on a cloud platform ensures widespread access for hospitals and clinics, facilitating broader utilization and impact.</a:t>
+            </a:r>
+          </a:p>
+        </p:txBody>
+      </p:sp>
+    </p:spTree>
+    <p:extLst>
+      <p:ext uri="{BB962C8B-B14F-4D97-AF65-F5344CB8AC3E}">
+        <p14:creationId xmlns:p14="http://schemas.microsoft.com/office/powerpoint/2010/main" val="2621950647"/>
+      </p:ext>
+    </p:extLst>
+  </p:cSld>
+  <p:clrMapOvr>
+    <a:masterClrMapping/>
+  </p:clrMapOvr>
+</p:sld>
+</file>
+
 <file path=ppt/slides/slide3.xml><?xml version="1.0" encoding="utf-8"?>
 <p:sld xmlns:a="http://schemas.openxmlformats.org/drawingml/2006/main" xmlns:r="http://schemas.openxmlformats.org/officeDocument/2006/relationships" xmlns:p="http://schemas.openxmlformats.org/presentationml/2006/main">
   <p:cSld>
@@ -7734,10 +7880,9 @@
           <a:lstStyle/>
           <a:p>
             <a:r>
-              <a:rPr lang="en-US" sz="5400" dirty="0" smtClean="0"/>
+              <a:rPr lang="en-US" sz="5400" dirty="0"/>
               <a:t>objectives</a:t>
             </a:r>
-            <a:endParaRPr lang="en-US" sz="5400" dirty="0"/>
           </a:p>
         </p:txBody>
       </p:sp>
@@ -8155,10 +8300,9 @@
           <a:lstStyle/>
           <a:p>
             <a:r>
-              <a:rPr lang="en-US" sz="4400" dirty="0" smtClean="0"/>
+              <a:rPr lang="en-US" sz="4400" dirty="0"/>
               <a:t>Metric of success</a:t>
             </a:r>
-            <a:endParaRPr lang="en-US" sz="4400" dirty="0"/>
           </a:p>
         </p:txBody>
       </p:sp>
@@ -8194,36 +8338,20 @@
           </a:p>
           <a:p>
             <a:r>
-              <a:rPr lang="en-US" sz="2200" dirty="0" smtClean="0"/>
-              <a:t>Loss</a:t>
-            </a:r>
-            <a:r>
               <a:rPr lang="en-US" sz="2200" dirty="0"/>
-              <a:t>: This metric measures the error between the predicted values and the actual values. Lower loss indicates a better fitting model. We will use the test loss to evaluate the model's ability to generalize to new data.</a:t>
-            </a:r>
-          </a:p>
-          <a:p>
-            <a:r>
-              <a:rPr lang="en-US" sz="2200" dirty="0" smtClean="0"/>
-              <a:t>Accuracy</a:t>
-            </a:r>
+              <a:t>Loss: This metric measures the error between the predicted values and the actual values. Lower loss indicates a better fitting model. We will use the test loss to evaluate the model's ability to generalize to new data.</a:t>
+            </a:r>
+          </a:p>
+          <a:p>
             <a:r>
               <a:rPr lang="en-US" sz="2200" dirty="0"/>
-              <a:t>: This metric indicates the proportion of correctly classified instances out of the total instances. Higher accuracy indicates better model performance in terms of classification correctness.</a:t>
-            </a:r>
-          </a:p>
-          <a:p>
-            <a:r>
-              <a:rPr lang="en-US" sz="2200" dirty="0" smtClean="0"/>
-              <a:t>Precision</a:t>
-            </a:r>
-            <a:r>
-              <a:rPr lang="en-US" sz="2200" dirty="0"/>
-              <a:t>: This metric measures the accuracy of the positive predictions. It is the ratio of true positive predictions to the total positive predictions. Higher precision indicates that the model has a lower false positive rate.</a:t>
-            </a:r>
-          </a:p>
-          <a:p>
-            <a:endParaRPr lang="en-US" dirty="0"/>
+              <a:t>Accuracy: This metric indicates the proportion of correctly classified instances out of the total instances. Higher accuracy indicates better model performance in terms of classification </a:t>
+            </a:r>
+            <a:r>
+              <a:rPr lang="en-US" sz="2200"/>
+              <a:t>correctness.</a:t>
+            </a:r>
+            <a:endParaRPr lang="en-US" sz="2200" dirty="0"/>
           </a:p>
         </p:txBody>
       </p:sp>
